--- a/ResQPal.pptx
+++ b/ResQPal.pptx
@@ -12,7 +12,6 @@
     <p:sldId id="262" r:id="rId6"/>
     <p:sldId id="263" r:id="rId7"/>
     <p:sldId id="259" r:id="rId8"/>
-    <p:sldId id="260" r:id="rId9"/>
   </p:sldIdLst>
   <p:sldSz cx="12192000" cy="6858000"/>
   <p:notesSz cx="6858000" cy="9144000"/>
@@ -2641,7 +2640,7 @@
       </dgm:t>
     </dgm:pt>
     <dgm:pt modelId="{90F88984-A5A7-4EE5-B329-5D183A3FEBA2}">
-      <dgm:prSet/>
+      <dgm:prSet custT="1"/>
       <dgm:spPr/>
       <dgm:t>
         <a:bodyPr/>
@@ -2653,10 +2652,18 @@
             </a:lnSpc>
           </a:pPr>
           <a:r>
-            <a:rPr lang="he-IL" dirty="0"/>
+            <a:rPr lang="he-IL" sz="4400" dirty="0">
+              <a:latin typeface="Calibri" panose="020F0502020204030204" pitchFamily="34" charset="0"/>
+              <a:ea typeface="Calibri" panose="020F0502020204030204" pitchFamily="34" charset="0"/>
+              <a:cs typeface="Calibri" panose="020F0502020204030204" pitchFamily="34" charset="0"/>
+            </a:rPr>
             <a:t>עיבוד תמונה</a:t>
           </a:r>
-          <a:endParaRPr lang="en-US" dirty="0"/>
+          <a:endParaRPr lang="en-US" sz="4400" dirty="0">
+            <a:latin typeface="Calibri" panose="020F0502020204030204" pitchFamily="34" charset="0"/>
+            <a:ea typeface="Calibri" panose="020F0502020204030204" pitchFamily="34" charset="0"/>
+            <a:cs typeface="Calibri" panose="020F0502020204030204" pitchFamily="34" charset="0"/>
+          </a:endParaRPr>
         </a:p>
       </dgm:t>
       <dgm:extLst>
@@ -2690,7 +2697,7 @@
       </dgm:t>
     </dgm:pt>
     <dgm:pt modelId="{90F58EA2-04E9-4B32-ABBC-C5653B330B6D}">
-      <dgm:prSet/>
+      <dgm:prSet custT="1"/>
       <dgm:spPr/>
       <dgm:t>
         <a:bodyPr/>
@@ -2702,10 +2709,18 @@
             </a:lnSpc>
           </a:pPr>
           <a:r>
-            <a:rPr lang="he-IL" dirty="0"/>
+            <a:rPr lang="he-IL" sz="4400" dirty="0">
+              <a:latin typeface="Calibri" panose="020F0502020204030204" pitchFamily="34" charset="0"/>
+              <a:ea typeface="Calibri" panose="020F0502020204030204" pitchFamily="34" charset="0"/>
+              <a:cs typeface="Calibri" panose="020F0502020204030204" pitchFamily="34" charset="0"/>
+            </a:rPr>
             <a:t>ניתוח טקסט</a:t>
           </a:r>
-          <a:endParaRPr lang="en-US" dirty="0"/>
+          <a:endParaRPr lang="en-US" sz="4400" dirty="0">
+            <a:latin typeface="Calibri" panose="020F0502020204030204" pitchFamily="34" charset="0"/>
+            <a:ea typeface="Calibri" panose="020F0502020204030204" pitchFamily="34" charset="0"/>
+            <a:cs typeface="Calibri" panose="020F0502020204030204" pitchFamily="34" charset="0"/>
+          </a:endParaRPr>
         </a:p>
       </dgm:t>
       <dgm:extLst>
@@ -3721,7 +3736,7 @@
         </a:bodyPr>
         <a:lstStyle/>
         <a:p>
-          <a:pPr marL="0" lvl="0" indent="0" algn="ctr" defTabSz="2044700">
+          <a:pPr marL="0" lvl="0" indent="0" algn="ctr" defTabSz="1955800">
             <a:lnSpc>
               <a:spcPct val="100000"/>
             </a:lnSpc>
@@ -3734,10 +3749,18 @@
             <a:buNone/>
           </a:pPr>
           <a:r>
-            <a:rPr lang="he-IL" sz="4600" kern="1200" dirty="0"/>
+            <a:rPr lang="he-IL" sz="4400" kern="1200" dirty="0">
+              <a:latin typeface="Calibri" panose="020F0502020204030204" pitchFamily="34" charset="0"/>
+              <a:ea typeface="Calibri" panose="020F0502020204030204" pitchFamily="34" charset="0"/>
+              <a:cs typeface="Calibri" panose="020F0502020204030204" pitchFamily="34" charset="0"/>
+            </a:rPr>
             <a:t>עיבוד תמונה</a:t>
           </a:r>
-          <a:endParaRPr lang="en-US" sz="4600" kern="1200" dirty="0"/>
+          <a:endParaRPr lang="en-US" sz="4400" kern="1200" dirty="0">
+            <a:latin typeface="Calibri" panose="020F0502020204030204" pitchFamily="34" charset="0"/>
+            <a:ea typeface="Calibri" panose="020F0502020204030204" pitchFamily="34" charset="0"/>
+            <a:cs typeface="Calibri" panose="020F0502020204030204" pitchFamily="34" charset="0"/>
+          </a:endParaRPr>
         </a:p>
       </dsp:txBody>
       <dsp:txXfrm>
@@ -3839,7 +3862,7 @@
         </a:bodyPr>
         <a:lstStyle/>
         <a:p>
-          <a:pPr marL="0" lvl="0" indent="0" algn="ctr" defTabSz="2044700">
+          <a:pPr marL="0" lvl="0" indent="0" algn="ctr" defTabSz="1955800">
             <a:lnSpc>
               <a:spcPct val="100000"/>
             </a:lnSpc>
@@ -3852,10 +3875,18 @@
             <a:buNone/>
           </a:pPr>
           <a:r>
-            <a:rPr lang="he-IL" sz="4600" kern="1200" dirty="0"/>
+            <a:rPr lang="he-IL" sz="4400" kern="1200" dirty="0">
+              <a:latin typeface="Calibri" panose="020F0502020204030204" pitchFamily="34" charset="0"/>
+              <a:ea typeface="Calibri" panose="020F0502020204030204" pitchFamily="34" charset="0"/>
+              <a:cs typeface="Calibri" panose="020F0502020204030204" pitchFamily="34" charset="0"/>
+            </a:rPr>
             <a:t>ניתוח טקסט</a:t>
           </a:r>
-          <a:endParaRPr lang="en-US" sz="4600" kern="1200" dirty="0"/>
+          <a:endParaRPr lang="en-US" sz="4400" kern="1200" dirty="0">
+            <a:latin typeface="Calibri" panose="020F0502020204030204" pitchFamily="34" charset="0"/>
+            <a:ea typeface="Calibri" panose="020F0502020204030204" pitchFamily="34" charset="0"/>
+            <a:cs typeface="Calibri" panose="020F0502020204030204" pitchFamily="34" charset="0"/>
+          </a:endParaRPr>
         </a:p>
       </dsp:txBody>
       <dsp:txXfrm>
@@ -12182,17 +12213,33 @@
           <a:p>
             <a:pPr algn="l"/>
             <a:r>
-              <a:rPr lang="en-US" sz="4400" dirty="0"/>
+              <a:rPr lang="en-US" sz="5400" dirty="0">
+                <a:latin typeface="Arial Rounded MT Bold" panose="020F0704030504030204" pitchFamily="34" charset="0"/>
+                <a:ea typeface="Calibri" panose="020F0502020204030204" pitchFamily="34" charset="0"/>
+                <a:cs typeface="Calibri" panose="020F0502020204030204" pitchFamily="34" charset="0"/>
+              </a:rPr>
               <a:t>ResQPal</a:t>
             </a:r>
             <a:br>
-              <a:rPr lang="he-IL" sz="4400" dirty="0"/>
+              <a:rPr lang="he-IL" sz="4400" dirty="0">
+                <a:latin typeface="Calibri" panose="020F0502020204030204" pitchFamily="34" charset="0"/>
+                <a:ea typeface="Calibri" panose="020F0502020204030204" pitchFamily="34" charset="0"/>
+                <a:cs typeface="Calibri" panose="020F0502020204030204" pitchFamily="34" charset="0"/>
+              </a:rPr>
             </a:br>
             <a:br>
-              <a:rPr lang="he-IL" sz="4400" dirty="0"/>
+              <a:rPr lang="he-IL" sz="4400" dirty="0">
+                <a:latin typeface="Calibri" panose="020F0502020204030204" pitchFamily="34" charset="0"/>
+                <a:ea typeface="Calibri" panose="020F0502020204030204" pitchFamily="34" charset="0"/>
+                <a:cs typeface="Calibri" panose="020F0502020204030204" pitchFamily="34" charset="0"/>
+              </a:rPr>
             </a:br>
             <a:r>
-              <a:rPr lang="he-IL" sz="4400" dirty="0"/>
+              <a:rPr lang="he-IL" sz="4400" dirty="0">
+                <a:latin typeface="Calibri" panose="020F0502020204030204" pitchFamily="34" charset="0"/>
+                <a:ea typeface="Calibri" panose="020F0502020204030204" pitchFamily="34" charset="0"/>
+                <a:cs typeface="Calibri" panose="020F0502020204030204" pitchFamily="34" charset="0"/>
+              </a:rPr>
               <a:t>זיהוי וסיוע ראשוני במצבי חירום רפואיים</a:t>
             </a:r>
           </a:p>
@@ -12216,7 +12263,7 @@
         </p:nvSpPr>
         <p:spPr>
           <a:xfrm>
-            <a:off x="6546869" y="4209874"/>
+            <a:off x="6552414" y="4750648"/>
             <a:ext cx="4535401" cy="1487097"/>
           </a:xfrm>
         </p:spPr>
@@ -12228,7 +12275,11 @@
           <a:p>
             <a:pPr algn="l"/>
             <a:r>
-              <a:rPr lang="he-IL" sz="2000"/>
+              <a:rPr lang="he-IL" sz="2000" dirty="0">
+                <a:latin typeface="Calibri" panose="020F0502020204030204" pitchFamily="34" charset="0"/>
+                <a:ea typeface="Calibri" panose="020F0502020204030204" pitchFamily="34" charset="0"/>
+                <a:cs typeface="Calibri" panose="020F0502020204030204" pitchFamily="34" charset="0"/>
+              </a:rPr>
               <a:t>מגישה: אביגיל סטחי</a:t>
             </a:r>
           </a:p>
@@ -12319,11 +12370,20 @@
         </p:nvSpPr>
         <p:spPr/>
         <p:txBody>
-          <a:bodyPr/>
+          <a:bodyPr>
+            <a:normAutofit/>
+          </a:bodyPr>
           <a:lstStyle/>
           <a:p>
             <a:r>
-              <a:rPr lang="he-IL" dirty="0"/>
+              <a:rPr lang="he-IL" sz="5400" dirty="0">
+                <a:solidFill>
+                  <a:schemeClr val="accent1"/>
+                </a:solidFill>
+                <a:latin typeface="Arial Rounded MT Bold" panose="020F0704030504030204" pitchFamily="34" charset="0"/>
+                <a:ea typeface="Calibri" panose="020F0502020204030204" pitchFamily="34" charset="0"/>
+                <a:cs typeface="Calibri" panose="020F0502020204030204" pitchFamily="34" charset="0"/>
+              </a:rPr>
               <a:t>אלגוריתמים עיקריים</a:t>
             </a:r>
           </a:p>
@@ -12345,7 +12405,7 @@
             <p:ph idx="1"/>
             <p:extLst>
               <p:ext uri="{D42A27DB-BD31-4B8C-83A1-F6EECF244321}">
-                <p14:modId xmlns:p14="http://schemas.microsoft.com/office/powerpoint/2010/main" val="1824995815"/>
+                <p14:modId xmlns:p14="http://schemas.microsoft.com/office/powerpoint/2010/main" val="954564421"/>
               </p:ext>
             </p:extLst>
           </p:nvPr>
@@ -12412,7 +12472,14 @@
           <a:lstStyle/>
           <a:p>
             <a:r>
-              <a:rPr lang="he-IL" dirty="0"/>
+              <a:rPr lang="he-IL" dirty="0">
+                <a:solidFill>
+                  <a:schemeClr val="accent1"/>
+                </a:solidFill>
+                <a:latin typeface="Calibri" panose="020F0502020204030204" pitchFamily="34" charset="0"/>
+                <a:ea typeface="Calibri" panose="020F0502020204030204" pitchFamily="34" charset="0"/>
+                <a:cs typeface="Calibri" panose="020F0502020204030204" pitchFamily="34" charset="0"/>
+              </a:rPr>
               <a:t>ניתוח טקסט - תבנית</a:t>
             </a:r>
           </a:p>
@@ -12440,53 +12507,67 @@
           <a:lstStyle/>
           <a:p>
             <a:r>
-              <a:rPr lang="he-IL" dirty="0"/>
+              <a:rPr lang="he-IL" dirty="0">
+                <a:latin typeface="Calibri" panose="020F0502020204030204" pitchFamily="34" charset="0"/>
+                <a:ea typeface="Calibri" panose="020F0502020204030204" pitchFamily="34" charset="0"/>
+                <a:cs typeface="Calibri" panose="020F0502020204030204" pitchFamily="34" charset="0"/>
+              </a:rPr>
               <a:t>אוטומט</a:t>
             </a:r>
           </a:p>
           <a:p>
-            <a:endParaRPr lang="he-IL" dirty="0"/>
+            <a:pPr marL="0" indent="0">
+              <a:buNone/>
+            </a:pPr>
+            <a:endParaRPr lang="he-IL" dirty="0">
+              <a:latin typeface="Calibri" panose="020F0502020204030204" pitchFamily="34" charset="0"/>
+              <a:ea typeface="Calibri" panose="020F0502020204030204" pitchFamily="34" charset="0"/>
+              <a:cs typeface="Calibri" panose="020F0502020204030204" pitchFamily="34" charset="0"/>
+            </a:endParaRPr>
+          </a:p>
+          <a:p>
+            <a:pPr marL="0" indent="0">
+              <a:buNone/>
+            </a:pPr>
+            <a:endParaRPr lang="he-IL" dirty="0">
+              <a:solidFill>
+                <a:srgbClr val="FF0000"/>
+              </a:solidFill>
+              <a:latin typeface="Calibri" panose="020F0502020204030204" pitchFamily="34" charset="0"/>
+              <a:ea typeface="Calibri" panose="020F0502020204030204" pitchFamily="34" charset="0"/>
+              <a:cs typeface="Calibri" panose="020F0502020204030204" pitchFamily="34" charset="0"/>
+            </a:endParaRPr>
+          </a:p>
+          <a:p>
+            <a:endParaRPr lang="he-IL" dirty="0">
+              <a:latin typeface="Calibri" panose="020F0502020204030204" pitchFamily="34" charset="0"/>
+              <a:ea typeface="Calibri" panose="020F0502020204030204" pitchFamily="34" charset="0"/>
+              <a:cs typeface="Calibri" panose="020F0502020204030204" pitchFamily="34" charset="0"/>
+            </a:endParaRPr>
+          </a:p>
+          <a:p>
+            <a:endParaRPr lang="he-IL" dirty="0">
+              <a:latin typeface="Calibri" panose="020F0502020204030204" pitchFamily="34" charset="0"/>
+              <a:ea typeface="Calibri" panose="020F0502020204030204" pitchFamily="34" charset="0"/>
+              <a:cs typeface="Calibri" panose="020F0502020204030204" pitchFamily="34" charset="0"/>
+            </a:endParaRPr>
           </a:p>
           <a:p>
             <a:r>
               <a:rPr lang="he-IL" dirty="0">
-                <a:solidFill>
-                  <a:srgbClr val="FF0000"/>
-                </a:solidFill>
+                <a:latin typeface="Calibri" panose="020F0502020204030204" pitchFamily="34" charset="0"/>
+                <a:ea typeface="Calibri" panose="020F0502020204030204" pitchFamily="34" charset="0"/>
+                <a:cs typeface="Calibri" panose="020F0502020204030204" pitchFamily="34" charset="0"/>
               </a:rPr>
-              <a:t>לבדוק מה הפתרון עם </a:t>
-            </a:r>
-            <a:r>
-              <a:rPr lang="he-IL" dirty="0" err="1">
-                <a:solidFill>
-                  <a:srgbClr val="FF0000"/>
-                </a:solidFill>
-              </a:rPr>
-              <a:t>המילות</a:t>
-            </a:r>
-            <a:r>
-              <a:rPr lang="he-IL" dirty="0">
-                <a:solidFill>
-                  <a:srgbClr val="FF0000"/>
-                </a:solidFill>
-              </a:rPr>
-              <a:t> מפתח</a:t>
-            </a:r>
-          </a:p>
-          <a:p>
-            <a:endParaRPr lang="he-IL" dirty="0"/>
-          </a:p>
-          <a:p>
-            <a:endParaRPr lang="he-IL" dirty="0"/>
-          </a:p>
-          <a:p>
-            <a:r>
-              <a:rPr lang="he-IL" dirty="0"/>
               <a:t>אובייקטיבי/ סובייקטיבי</a:t>
             </a:r>
           </a:p>
           <a:p>
-            <a:endParaRPr lang="he-IL" dirty="0"/>
+            <a:endParaRPr lang="he-IL" dirty="0">
+              <a:latin typeface="Calibri" panose="020F0502020204030204" pitchFamily="34" charset="0"/>
+              <a:ea typeface="Calibri" panose="020F0502020204030204" pitchFamily="34" charset="0"/>
+              <a:cs typeface="Calibri" panose="020F0502020204030204" pitchFamily="34" charset="0"/>
+            </a:endParaRPr>
           </a:p>
         </p:txBody>
       </p:sp>
@@ -12506,7 +12587,13 @@
         </p:nvPicPr>
         <p:blipFill>
           <a:blip r:embed="rId2">
-            <a:grayscl/>
+            <a:duotone>
+              <a:schemeClr val="accent4">
+                <a:shade val="45000"/>
+                <a:satMod val="135000"/>
+              </a:schemeClr>
+              <a:prstClr val="white"/>
+            </a:duotone>
           </a:blip>
           <a:stretch>
             <a:fillRect/>
@@ -12580,7 +12667,14 @@
           <a:lstStyle/>
           <a:p>
             <a:r>
-              <a:rPr lang="he-IL" dirty="0"/>
+              <a:rPr lang="he-IL" dirty="0">
+                <a:solidFill>
+                  <a:schemeClr val="accent1"/>
+                </a:solidFill>
+                <a:latin typeface="Calibri" panose="020F0502020204030204" pitchFamily="34" charset="0"/>
+                <a:ea typeface="Calibri" panose="020F0502020204030204" pitchFamily="34" charset="0"/>
+                <a:cs typeface="Calibri" panose="020F0502020204030204" pitchFamily="34" charset="0"/>
+              </a:rPr>
               <a:t>ניתוח טקסט – למידת מכונה</a:t>
             </a:r>
           </a:p>
@@ -12608,29 +12702,52 @@
           <a:lstStyle/>
           <a:p>
             <a:r>
-              <a:rPr lang="en-US" dirty="0" err="1"/>
+              <a:rPr lang="en-US" dirty="0" err="1">
+                <a:latin typeface="Calibri" panose="020F0502020204030204" pitchFamily="34" charset="0"/>
+                <a:ea typeface="Calibri" panose="020F0502020204030204" pitchFamily="34" charset="0"/>
+                <a:cs typeface="Calibri" panose="020F0502020204030204" pitchFamily="34" charset="0"/>
+              </a:rPr>
               <a:t>XGBoost</a:t>
             </a:r>
-            <a:endParaRPr lang="en-US" dirty="0"/>
+            <a:endParaRPr lang="en-US" dirty="0">
+              <a:latin typeface="Calibri" panose="020F0502020204030204" pitchFamily="34" charset="0"/>
+              <a:ea typeface="Calibri" panose="020F0502020204030204" pitchFamily="34" charset="0"/>
+              <a:cs typeface="Calibri" panose="020F0502020204030204" pitchFamily="34" charset="0"/>
+            </a:endParaRPr>
           </a:p>
           <a:p>
-            <a:endParaRPr lang="en-US" dirty="0"/>
+            <a:endParaRPr lang="en-US" dirty="0">
+              <a:latin typeface="Calibri" panose="020F0502020204030204" pitchFamily="34" charset="0"/>
+              <a:ea typeface="Calibri" panose="020F0502020204030204" pitchFamily="34" charset="0"/>
+              <a:cs typeface="Calibri" panose="020F0502020204030204" pitchFamily="34" charset="0"/>
+            </a:endParaRPr>
           </a:p>
           <a:p>
-            <a:endParaRPr lang="en-US" dirty="0"/>
+            <a:endParaRPr lang="en-US" dirty="0">
+              <a:latin typeface="Calibri" panose="020F0502020204030204" pitchFamily="34" charset="0"/>
+              <a:ea typeface="Calibri" panose="020F0502020204030204" pitchFamily="34" charset="0"/>
+              <a:cs typeface="Calibri" panose="020F0502020204030204" pitchFamily="34" charset="0"/>
+            </a:endParaRPr>
           </a:p>
           <a:p>
-            <a:endParaRPr lang="en-US" dirty="0"/>
+            <a:endParaRPr lang="en-US" dirty="0">
+              <a:latin typeface="Calibri" panose="020F0502020204030204" pitchFamily="34" charset="0"/>
+              <a:ea typeface="Calibri" panose="020F0502020204030204" pitchFamily="34" charset="0"/>
+              <a:cs typeface="Calibri" panose="020F0502020204030204" pitchFamily="34" charset="0"/>
+            </a:endParaRPr>
           </a:p>
           <a:p>
-            <a:r>
-              <a:rPr lang="he-IL" dirty="0">
-                <a:solidFill>
-                  <a:srgbClr val="FF0000"/>
-                </a:solidFill>
-              </a:rPr>
-              <a:t>לשים ציור</a:t>
-            </a:r>
+            <a:pPr marL="0" indent="0">
+              <a:buNone/>
+            </a:pPr>
+            <a:endParaRPr lang="he-IL" dirty="0">
+              <a:solidFill>
+                <a:srgbClr val="FF0000"/>
+              </a:solidFill>
+              <a:latin typeface="Calibri" panose="020F0502020204030204" pitchFamily="34" charset="0"/>
+              <a:ea typeface="Calibri" panose="020F0502020204030204" pitchFamily="34" charset="0"/>
+              <a:cs typeface="Calibri" panose="020F0502020204030204" pitchFamily="34" charset="0"/>
+            </a:endParaRPr>
           </a:p>
         </p:txBody>
       </p:sp>
@@ -12722,14 +12839,35 @@
           <a:lstStyle/>
           <a:p>
             <a:r>
-              <a:rPr lang="he-IL" dirty="0"/>
+              <a:rPr lang="he-IL" dirty="0">
+                <a:solidFill>
+                  <a:schemeClr val="accent1"/>
+                </a:solidFill>
+                <a:latin typeface="Calibri" panose="020F0502020204030204" pitchFamily="34" charset="0"/>
+                <a:ea typeface="Calibri" panose="020F0502020204030204" pitchFamily="34" charset="0"/>
+                <a:cs typeface="Calibri" panose="020F0502020204030204" pitchFamily="34" charset="0"/>
+              </a:rPr>
               <a:t>ניתוח טקסט - </a:t>
             </a:r>
             <a:r>
-              <a:rPr lang="en-US" dirty="0"/>
+              <a:rPr lang="en-US" dirty="0">
+                <a:solidFill>
+                  <a:schemeClr val="accent1"/>
+                </a:solidFill>
+                <a:latin typeface="Calibri" panose="020F0502020204030204" pitchFamily="34" charset="0"/>
+                <a:ea typeface="Calibri" panose="020F0502020204030204" pitchFamily="34" charset="0"/>
+                <a:cs typeface="Calibri" panose="020F0502020204030204" pitchFamily="34" charset="0"/>
+              </a:rPr>
               <a:t>NLP</a:t>
             </a:r>
-            <a:endParaRPr lang="he-IL" dirty="0"/>
+            <a:endParaRPr lang="he-IL" dirty="0">
+              <a:solidFill>
+                <a:schemeClr val="accent1"/>
+              </a:solidFill>
+              <a:latin typeface="Calibri" panose="020F0502020204030204" pitchFamily="34" charset="0"/>
+              <a:ea typeface="Calibri" panose="020F0502020204030204" pitchFamily="34" charset="0"/>
+              <a:cs typeface="Calibri" panose="020F0502020204030204" pitchFamily="34" charset="0"/>
+            </a:endParaRPr>
           </a:p>
         </p:txBody>
       </p:sp>
@@ -12755,36 +12893,60 @@
           <a:lstStyle/>
           <a:p>
             <a:r>
-              <a:rPr lang="en-US" dirty="0"/>
+              <a:rPr lang="en-US" dirty="0">
+                <a:latin typeface="Calibri" panose="020F0502020204030204" pitchFamily="34" charset="0"/>
+                <a:ea typeface="Calibri" panose="020F0502020204030204" pitchFamily="34" charset="0"/>
+                <a:cs typeface="Calibri" panose="020F0502020204030204" pitchFamily="34" charset="0"/>
+              </a:rPr>
               <a:t>RNN</a:t>
             </a:r>
-            <a:endParaRPr lang="he-IL" dirty="0"/>
+            <a:endParaRPr lang="he-IL" dirty="0">
+              <a:latin typeface="Calibri" panose="020F0502020204030204" pitchFamily="34" charset="0"/>
+              <a:ea typeface="Calibri" panose="020F0502020204030204" pitchFamily="34" charset="0"/>
+              <a:cs typeface="Calibri" panose="020F0502020204030204" pitchFamily="34" charset="0"/>
+            </a:endParaRPr>
           </a:p>
           <a:p>
             <a:r>
-              <a:rPr lang="en-US" dirty="0"/>
+              <a:rPr lang="en-US" dirty="0">
+                <a:latin typeface="Calibri" panose="020F0502020204030204" pitchFamily="34" charset="0"/>
+                <a:ea typeface="Calibri" panose="020F0502020204030204" pitchFamily="34" charset="0"/>
+                <a:cs typeface="Calibri" panose="020F0502020204030204" pitchFamily="34" charset="0"/>
+              </a:rPr>
               <a:t>LSTM</a:t>
             </a:r>
             <a:r>
-              <a:rPr lang="he-IL" dirty="0"/>
-              <a:t>             </a:t>
+              <a:rPr lang="he-IL" dirty="0">
+                <a:latin typeface="Calibri" panose="020F0502020204030204" pitchFamily="34" charset="0"/>
+                <a:ea typeface="Calibri" panose="020F0502020204030204" pitchFamily="34" charset="0"/>
+                <a:cs typeface="Calibri" panose="020F0502020204030204" pitchFamily="34" charset="0"/>
+              </a:rPr>
+              <a:t>            </a:t>
+            </a:r>
+            <a:endParaRPr lang="he-IL" dirty="0">
+              <a:solidFill>
+                <a:srgbClr val="FF0000"/>
+              </a:solidFill>
+              <a:latin typeface="Calibri" panose="020F0502020204030204" pitchFamily="34" charset="0"/>
+              <a:ea typeface="Calibri" panose="020F0502020204030204" pitchFamily="34" charset="0"/>
+              <a:cs typeface="Calibri" panose="020F0502020204030204" pitchFamily="34" charset="0"/>
+            </a:endParaRPr>
+          </a:p>
+          <a:p>
+            <a:r>
+              <a:rPr lang="en-US" dirty="0" err="1">
+                <a:latin typeface="Calibri" panose="020F0502020204030204" pitchFamily="34" charset="0"/>
+                <a:ea typeface="Calibri" panose="020F0502020204030204" pitchFamily="34" charset="0"/>
+                <a:cs typeface="Calibri" panose="020F0502020204030204" pitchFamily="34" charset="0"/>
+              </a:rPr>
+              <a:t>BiLSTM</a:t>
             </a:r>
             <a:r>
               <a:rPr lang="he-IL" dirty="0">
-                <a:solidFill>
-                  <a:srgbClr val="FF0000"/>
-                </a:solidFill>
+                <a:latin typeface="Calibri" panose="020F0502020204030204" pitchFamily="34" charset="0"/>
+                <a:ea typeface="Calibri" panose="020F0502020204030204" pitchFamily="34" charset="0"/>
+                <a:cs typeface="Calibri" panose="020F0502020204030204" pitchFamily="34" charset="0"/>
               </a:rPr>
-              <a:t>להוסיף ציור</a:t>
-            </a:r>
-          </a:p>
-          <a:p>
-            <a:r>
-              <a:rPr lang="en-US" dirty="0" err="1"/>
-              <a:t>BiLSTM</a:t>
-            </a:r>
-            <a:r>
-              <a:rPr lang="he-IL" dirty="0"/>
               <a:t> קטגוריאלי ובינארי</a:t>
             </a:r>
           </a:p>
@@ -12908,7 +13070,14 @@
           <a:lstStyle/>
           <a:p>
             <a:r>
-              <a:rPr lang="he-IL" dirty="0"/>
+              <a:rPr lang="he-IL" dirty="0">
+                <a:solidFill>
+                  <a:schemeClr val="accent1"/>
+                </a:solidFill>
+                <a:latin typeface="Calibri" panose="020F0502020204030204" pitchFamily="34" charset="0"/>
+                <a:ea typeface="Calibri" panose="020F0502020204030204" pitchFamily="34" charset="0"/>
+                <a:cs typeface="Calibri" panose="020F0502020204030204" pitchFamily="34" charset="0"/>
+              </a:rPr>
               <a:t>עיבוד תמונה</a:t>
             </a:r>
           </a:p>
@@ -12936,10 +13105,18 @@
           <a:lstStyle/>
           <a:p>
             <a:r>
-              <a:rPr lang="en-US" dirty="0"/>
+              <a:rPr lang="en-US" dirty="0">
+                <a:latin typeface="Calibri" panose="020F0502020204030204" pitchFamily="34" charset="0"/>
+                <a:ea typeface="Calibri" panose="020F0502020204030204" pitchFamily="34" charset="0"/>
+                <a:cs typeface="Calibri" panose="020F0502020204030204" pitchFamily="34" charset="0"/>
+              </a:rPr>
               <a:t>CNN</a:t>
             </a:r>
-            <a:endParaRPr lang="he-IL" dirty="0"/>
+            <a:endParaRPr lang="he-IL" dirty="0">
+              <a:latin typeface="Calibri" panose="020F0502020204030204" pitchFamily="34" charset="0"/>
+              <a:ea typeface="Calibri" panose="020F0502020204030204" pitchFamily="34" charset="0"/>
+              <a:cs typeface="Calibri" panose="020F0502020204030204" pitchFamily="34" charset="0"/>
+            </a:endParaRPr>
           </a:p>
         </p:txBody>
       </p:sp>
@@ -12995,10 +13172,24 @@
           <a:lstStyle/>
           <a:p>
             <a:r>
-              <a:rPr lang="en-US" dirty="0"/>
+              <a:rPr lang="en-US" dirty="0">
+                <a:solidFill>
+                  <a:schemeClr val="accent1"/>
+                </a:solidFill>
+                <a:latin typeface="Calibri" panose="020F0502020204030204" pitchFamily="34" charset="0"/>
+                <a:ea typeface="Calibri" panose="020F0502020204030204" pitchFamily="34" charset="0"/>
+                <a:cs typeface="Calibri" panose="020F0502020204030204" pitchFamily="34" charset="0"/>
+              </a:rPr>
               <a:t>Faster R-CNN</a:t>
             </a:r>
-            <a:endParaRPr lang="he-IL" dirty="0"/>
+            <a:endParaRPr lang="he-IL" dirty="0">
+              <a:solidFill>
+                <a:schemeClr val="accent1"/>
+              </a:solidFill>
+              <a:latin typeface="Calibri" panose="020F0502020204030204" pitchFamily="34" charset="0"/>
+              <a:ea typeface="Calibri" panose="020F0502020204030204" pitchFamily="34" charset="0"/>
+              <a:cs typeface="Calibri" panose="020F0502020204030204" pitchFamily="34" charset="0"/>
+            </a:endParaRPr>
           </a:p>
         </p:txBody>
       </p:sp>
@@ -13069,18 +13260,34 @@
               <a:buChar char="•"/>
             </a:pPr>
             <a:r>
-              <a:rPr lang="en-US" sz="3200" dirty="0"/>
+              <a:rPr lang="en-US" sz="3200" dirty="0">
+                <a:latin typeface="Calibri" panose="020F0502020204030204" pitchFamily="34" charset="0"/>
+                <a:ea typeface="Calibri" panose="020F0502020204030204" pitchFamily="34" charset="0"/>
+                <a:cs typeface="Calibri" panose="020F0502020204030204" pitchFamily="34" charset="0"/>
+              </a:rPr>
               <a:t>Backbone + FPN</a:t>
             </a:r>
             <a:r>
-              <a:rPr lang="he-IL" sz="3200" dirty="0"/>
+              <a:rPr lang="he-IL" sz="3200" dirty="0">
+                <a:latin typeface="Calibri" panose="020F0502020204030204" pitchFamily="34" charset="0"/>
+                <a:ea typeface="Calibri" panose="020F0502020204030204" pitchFamily="34" charset="0"/>
+                <a:cs typeface="Calibri" panose="020F0502020204030204" pitchFamily="34" charset="0"/>
+              </a:rPr>
               <a:t> – חילוץ תכונות רב </a:t>
             </a:r>
             <a:r>
-              <a:rPr lang="he-IL" sz="3200" dirty="0" err="1"/>
+              <a:rPr lang="he-IL" sz="3200" dirty="0" err="1">
+                <a:latin typeface="Calibri" panose="020F0502020204030204" pitchFamily="34" charset="0"/>
+                <a:ea typeface="Calibri" panose="020F0502020204030204" pitchFamily="34" charset="0"/>
+                <a:cs typeface="Calibri" panose="020F0502020204030204" pitchFamily="34" charset="0"/>
+              </a:rPr>
               <a:t>רזולוציוני</a:t>
             </a:r>
-            <a:endParaRPr lang="he-IL" sz="3200" dirty="0"/>
+            <a:endParaRPr lang="he-IL" sz="3200" dirty="0">
+              <a:latin typeface="Calibri" panose="020F0502020204030204" pitchFamily="34" charset="0"/>
+              <a:ea typeface="Calibri" panose="020F0502020204030204" pitchFamily="34" charset="0"/>
+              <a:cs typeface="Calibri" panose="020F0502020204030204" pitchFamily="34" charset="0"/>
+            </a:endParaRPr>
           </a:p>
           <a:p>
             <a:pPr marL="285750" indent="-285750">
@@ -13091,11 +13298,19 @@
               <a:buChar char="•"/>
             </a:pPr>
             <a:r>
-              <a:rPr lang="en-US" sz="3200" dirty="0"/>
+              <a:rPr lang="en-US" sz="3200" dirty="0">
+                <a:latin typeface="Calibri" panose="020F0502020204030204" pitchFamily="34" charset="0"/>
+                <a:ea typeface="Calibri" panose="020F0502020204030204" pitchFamily="34" charset="0"/>
+                <a:cs typeface="Calibri" panose="020F0502020204030204" pitchFamily="34" charset="0"/>
+              </a:rPr>
               <a:t>RPN</a:t>
             </a:r>
             <a:r>
-              <a:rPr lang="he-IL" sz="3200" dirty="0"/>
+              <a:rPr lang="he-IL" sz="3200" dirty="0">
+                <a:latin typeface="Calibri" panose="020F0502020204030204" pitchFamily="34" charset="0"/>
+                <a:ea typeface="Calibri" panose="020F0502020204030204" pitchFamily="34" charset="0"/>
+                <a:cs typeface="Calibri" panose="020F0502020204030204" pitchFamily="34" charset="0"/>
+              </a:rPr>
               <a:t> – רשת הצעות אזורים</a:t>
             </a:r>
           </a:p>
@@ -13108,14 +13323,26 @@
               <a:buChar char="•"/>
             </a:pPr>
             <a:r>
-              <a:rPr lang="en-US" sz="3200" dirty="0"/>
+              <a:rPr lang="en-US" sz="3200" dirty="0">
+                <a:latin typeface="Calibri" panose="020F0502020204030204" pitchFamily="34" charset="0"/>
+                <a:ea typeface="Calibri" panose="020F0502020204030204" pitchFamily="34" charset="0"/>
+                <a:cs typeface="Calibri" panose="020F0502020204030204" pitchFamily="34" charset="0"/>
+              </a:rPr>
               <a:t>ROI Head</a:t>
             </a:r>
             <a:r>
-              <a:rPr lang="he-IL" sz="3200" dirty="0"/>
+              <a:rPr lang="he-IL" sz="3200" dirty="0">
+                <a:latin typeface="Calibri" panose="020F0502020204030204" pitchFamily="34" charset="0"/>
+                <a:ea typeface="Calibri" panose="020F0502020204030204" pitchFamily="34" charset="0"/>
+                <a:cs typeface="Calibri" panose="020F0502020204030204" pitchFamily="34" charset="0"/>
+              </a:rPr>
               <a:t> – ראש אזור עניין</a:t>
             </a:r>
-            <a:endParaRPr lang="en-US" sz="3200" dirty="0"/>
+            <a:endParaRPr lang="en-US" sz="3200" dirty="0">
+              <a:latin typeface="Calibri" panose="020F0502020204030204" pitchFamily="34" charset="0"/>
+              <a:ea typeface="Calibri" panose="020F0502020204030204" pitchFamily="34" charset="0"/>
+              <a:cs typeface="Calibri" panose="020F0502020204030204" pitchFamily="34" charset="0"/>
+            </a:endParaRPr>
           </a:p>
         </p:txBody>
       </p:sp>
@@ -13123,86 +13350,6 @@
     <p:extLst>
       <p:ext uri="{BB962C8B-B14F-4D97-AF65-F5344CB8AC3E}">
         <p14:creationId xmlns:p14="http://schemas.microsoft.com/office/powerpoint/2010/main" val="3252009403"/>
-      </p:ext>
-    </p:extLst>
-  </p:cSld>
-  <p:clrMapOvr>
-    <a:masterClrMapping/>
-  </p:clrMapOvr>
-</p:sld>
-</file>
-
-<file path=ppt/slides/slide8.xml><?xml version="1.0" encoding="utf-8"?>
-<p:sld xmlns:a="http://schemas.openxmlformats.org/drawingml/2006/main" xmlns:r="http://schemas.openxmlformats.org/officeDocument/2006/relationships" xmlns:p="http://schemas.openxmlformats.org/presentationml/2006/main">
-  <p:cSld>
-    <p:spTree>
-      <p:nvGrpSpPr>
-        <p:cNvPr id="1" name=""/>
-        <p:cNvGrpSpPr/>
-        <p:nvPr/>
-      </p:nvGrpSpPr>
-      <p:grpSpPr>
-        <a:xfrm>
-          <a:off x="0" y="0"/>
-          <a:ext cx="0" cy="0"/>
-          <a:chOff x="0" y="0"/>
-          <a:chExt cx="0" cy="0"/>
-        </a:xfrm>
-      </p:grpSpPr>
-      <p:sp>
-        <p:nvSpPr>
-          <p:cNvPr id="2" name="כותרת 1">
-            <a:extLst>
-              <a:ext uri="{FF2B5EF4-FFF2-40B4-BE49-F238E27FC236}">
-                <a16:creationId xmlns:a16="http://schemas.microsoft.com/office/drawing/2014/main" id="{1822087D-9871-80D6-BEF9-A874794BD5EF}"/>
-              </a:ext>
-            </a:extLst>
-          </p:cNvPr>
-          <p:cNvSpPr>
-            <a:spLocks noGrp="1"/>
-          </p:cNvSpPr>
-          <p:nvPr>
-            <p:ph type="title"/>
-          </p:nvPr>
-        </p:nvSpPr>
-        <p:spPr/>
-        <p:txBody>
-          <a:bodyPr/>
-          <a:lstStyle/>
-          <a:p>
-            <a:endParaRPr lang="he-IL" dirty="0"/>
-          </a:p>
-        </p:txBody>
-      </p:sp>
-      <p:sp>
-        <p:nvSpPr>
-          <p:cNvPr id="3" name="מציין מיקום תוכן 2">
-            <a:extLst>
-              <a:ext uri="{FF2B5EF4-FFF2-40B4-BE49-F238E27FC236}">
-                <a16:creationId xmlns:a16="http://schemas.microsoft.com/office/drawing/2014/main" id="{20EFECA0-DB71-7D25-AF00-70998C233D2C}"/>
-              </a:ext>
-            </a:extLst>
-          </p:cNvPr>
-          <p:cNvSpPr>
-            <a:spLocks noGrp="1"/>
-          </p:cNvSpPr>
-          <p:nvPr>
-            <p:ph idx="1"/>
-          </p:nvPr>
-        </p:nvSpPr>
-        <p:spPr/>
-        <p:txBody>
-          <a:bodyPr/>
-          <a:lstStyle/>
-          <a:p>
-            <a:endParaRPr lang="he-IL"/>
-          </a:p>
-        </p:txBody>
-      </p:sp>
-    </p:spTree>
-    <p:extLst>
-      <p:ext uri="{BB962C8B-B14F-4D97-AF65-F5344CB8AC3E}">
-        <p14:creationId xmlns:p14="http://schemas.microsoft.com/office/powerpoint/2010/main" val="1591170850"/>
       </p:ext>
     </p:extLst>
   </p:cSld>

--- a/ResQPal.pptx
+++ b/ResQPal.pptx
@@ -12997,12 +12997,23 @@
         <p:blipFill>
           <a:blip r:embed="rId7">
             <a:duotone>
-              <a:schemeClr val="accent4">
+              <a:srgbClr val="0F9ED5">
                 <a:shade val="45000"/>
                 <a:satMod val="135000"/>
-              </a:schemeClr>
+              </a:srgbClr>
               <a:prstClr val="white"/>
             </a:duotone>
+            <a:extLst>
+              <a:ext uri="{BEBA8EAE-BF5A-486C-A8C5-ECC9F3942E4B}">
+                <a14:imgProps xmlns:a14="http://schemas.microsoft.com/office/drawing/2010/main">
+                  <a14:imgLayer r:embed="rId8">
+                    <a14:imgEffect>
+                      <a14:sharpenSoften amount="50000"/>
+                    </a14:imgEffect>
+                  </a14:imgLayer>
+                </a14:imgProps>
+              </a:ext>
+            </a:extLst>
           </a:blip>
           <a:stretch>
             <a:fillRect/>

--- a/ResQPal.pptx
+++ b/ResQPal.pptx
@@ -4,14 +4,18 @@
   <p:sldMasterIdLst>
     <p:sldMasterId id="2147483648" r:id="rId1"/>
   </p:sldMasterIdLst>
+  <p:notesMasterIdLst>
+    <p:notesMasterId r:id="rId10"/>
+  </p:notesMasterIdLst>
   <p:sldIdLst>
     <p:sldId id="256" r:id="rId2"/>
     <p:sldId id="257" r:id="rId3"/>
     <p:sldId id="258" r:id="rId4"/>
     <p:sldId id="261" r:id="rId5"/>
     <p:sldId id="262" r:id="rId6"/>
-    <p:sldId id="263" r:id="rId7"/>
-    <p:sldId id="259" r:id="rId8"/>
+    <p:sldId id="265" r:id="rId7"/>
+    <p:sldId id="263" r:id="rId8"/>
+    <p:sldId id="259" r:id="rId9"/>
   </p:sldIdLst>
   <p:sldSz cx="12192000" cy="6858000"/>
   <p:notesSz cx="6858000" cy="9144000"/>
@@ -3301,7 +3305,7 @@
   <dgm:whole/>
   <dgm:extLst>
     <a:ext uri="http://schemas.microsoft.com/office/drawing/2008/diagram">
-      <dsp:dataModelExt xmlns:dsp="http://schemas.microsoft.com/office/drawing/2008/diagram" relId="rId6" minVer="http://schemas.openxmlformats.org/drawingml/2006/diagram"/>
+      <dsp:dataModelExt xmlns:dsp="http://schemas.microsoft.com/office/drawing/2008/diagram" relId="rId7" minVer="http://schemas.openxmlformats.org/drawingml/2006/diagram"/>
     </a:ext>
   </dgm:extLst>
 </dgm:dataModel>
@@ -8885,6 +8889,959 @@
 </dgm:styleDef>
 </file>
 
+<file path=ppt/notesMasters/notesMaster1.xml><?xml version="1.0" encoding="utf-8"?>
+<p:notesMaster xmlns:a="http://schemas.openxmlformats.org/drawingml/2006/main" xmlns:r="http://schemas.openxmlformats.org/officeDocument/2006/relationships" xmlns:p="http://schemas.openxmlformats.org/presentationml/2006/main">
+  <p:cSld>
+    <p:bg>
+      <p:bgRef idx="1001">
+        <a:schemeClr val="bg1"/>
+      </p:bgRef>
+    </p:bg>
+    <p:spTree>
+      <p:nvGrpSpPr>
+        <p:cNvPr id="1" name=""/>
+        <p:cNvGrpSpPr/>
+        <p:nvPr/>
+      </p:nvGrpSpPr>
+      <p:grpSpPr>
+        <a:xfrm>
+          <a:off x="0" y="0"/>
+          <a:ext cx="0" cy="0"/>
+          <a:chOff x="0" y="0"/>
+          <a:chExt cx="0" cy="0"/>
+        </a:xfrm>
+      </p:grpSpPr>
+      <p:sp>
+        <p:nvSpPr>
+          <p:cNvPr id="2" name="מציין מיקום של כותרת עליונה 1"/>
+          <p:cNvSpPr>
+            <a:spLocks noGrp="1"/>
+          </p:cNvSpPr>
+          <p:nvPr>
+            <p:ph type="hdr" sz="quarter"/>
+          </p:nvPr>
+        </p:nvSpPr>
+        <p:spPr>
+          <a:xfrm>
+            <a:off x="3886200" y="0"/>
+            <a:ext cx="2971800" cy="458788"/>
+          </a:xfrm>
+          <a:prstGeom prst="rect">
+            <a:avLst/>
+          </a:prstGeom>
+        </p:spPr>
+        <p:txBody>
+          <a:bodyPr vert="horz" lIns="91440" tIns="45720" rIns="91440" bIns="45720" rtlCol="1"/>
+          <a:lstStyle>
+            <a:lvl1pPr algn="r">
+              <a:defRPr sz="1200"/>
+            </a:lvl1pPr>
+          </a:lstStyle>
+          <a:p>
+            <a:endParaRPr lang="he-IL"/>
+          </a:p>
+        </p:txBody>
+      </p:sp>
+      <p:sp>
+        <p:nvSpPr>
+          <p:cNvPr id="3" name="מציין מיקום של תאריך 2"/>
+          <p:cNvSpPr>
+            <a:spLocks noGrp="1"/>
+          </p:cNvSpPr>
+          <p:nvPr>
+            <p:ph type="dt" idx="1"/>
+          </p:nvPr>
+        </p:nvSpPr>
+        <p:spPr>
+          <a:xfrm>
+            <a:off x="1588" y="0"/>
+            <a:ext cx="2971800" cy="458788"/>
+          </a:xfrm>
+          <a:prstGeom prst="rect">
+            <a:avLst/>
+          </a:prstGeom>
+        </p:spPr>
+        <p:txBody>
+          <a:bodyPr vert="horz" lIns="91440" tIns="45720" rIns="91440" bIns="45720" rtlCol="1"/>
+          <a:lstStyle>
+            <a:lvl1pPr algn="l">
+              <a:defRPr sz="1200"/>
+            </a:lvl1pPr>
+          </a:lstStyle>
+          <a:p>
+            <a:fld id="{5B6E5515-95EC-472D-9C2F-79A8A91C6AA5}" type="datetimeFigureOut">
+              <a:rPr lang="he-IL" smtClean="0"/>
+              <a:t>ט'/סיון/תשפ"ה</a:t>
+            </a:fld>
+            <a:endParaRPr lang="he-IL"/>
+          </a:p>
+        </p:txBody>
+      </p:sp>
+      <p:sp>
+        <p:nvSpPr>
+          <p:cNvPr id="4" name="מציין מיקום של תמונת שקופית 3"/>
+          <p:cNvSpPr>
+            <a:spLocks noGrp="1" noRot="1" noChangeAspect="1"/>
+          </p:cNvSpPr>
+          <p:nvPr>
+            <p:ph type="sldImg" idx="2"/>
+          </p:nvPr>
+        </p:nvSpPr>
+        <p:spPr>
+          <a:xfrm>
+            <a:off x="685800" y="1143000"/>
+            <a:ext cx="5486400" cy="3086100"/>
+          </a:xfrm>
+          <a:prstGeom prst="rect">
+            <a:avLst/>
+          </a:prstGeom>
+          <a:noFill/>
+          <a:ln w="12700">
+            <a:solidFill>
+              <a:prstClr val="black"/>
+            </a:solidFill>
+          </a:ln>
+        </p:spPr>
+        <p:txBody>
+          <a:bodyPr vert="horz" lIns="91440" tIns="45720" rIns="91440" bIns="45720" rtlCol="1" anchor="ctr"/>
+          <a:lstStyle/>
+          <a:p>
+            <a:endParaRPr lang="he-IL"/>
+          </a:p>
+        </p:txBody>
+      </p:sp>
+      <p:sp>
+        <p:nvSpPr>
+          <p:cNvPr id="5" name="מציין מיקום של הערות 4"/>
+          <p:cNvSpPr>
+            <a:spLocks noGrp="1"/>
+          </p:cNvSpPr>
+          <p:nvPr>
+            <p:ph type="body" sz="quarter" idx="3"/>
+          </p:nvPr>
+        </p:nvSpPr>
+        <p:spPr>
+          <a:xfrm>
+            <a:off x="685800" y="4400550"/>
+            <a:ext cx="5486400" cy="3600450"/>
+          </a:xfrm>
+          <a:prstGeom prst="rect">
+            <a:avLst/>
+          </a:prstGeom>
+        </p:spPr>
+        <p:txBody>
+          <a:bodyPr vert="horz" lIns="91440" tIns="45720" rIns="91440" bIns="45720" rtlCol="1"/>
+          <a:lstStyle/>
+          <a:p>
+            <a:pPr lvl="0"/>
+            <a:r>
+              <a:rPr lang="he-IL"/>
+              <a:t>לחץ כדי לערוך סגנונות טקסט של תבנית בסיס</a:t>
+            </a:r>
+          </a:p>
+          <a:p>
+            <a:pPr lvl="1"/>
+            <a:r>
+              <a:rPr lang="he-IL"/>
+              <a:t>רמה שנייה</a:t>
+            </a:r>
+          </a:p>
+          <a:p>
+            <a:pPr lvl="2"/>
+            <a:r>
+              <a:rPr lang="he-IL"/>
+              <a:t>רמה שלישית</a:t>
+            </a:r>
+          </a:p>
+          <a:p>
+            <a:pPr lvl="3"/>
+            <a:r>
+              <a:rPr lang="he-IL"/>
+              <a:t>רמה רביעית</a:t>
+            </a:r>
+          </a:p>
+          <a:p>
+            <a:pPr lvl="4"/>
+            <a:r>
+              <a:rPr lang="he-IL"/>
+              <a:t>רמה חמישית</a:t>
+            </a:r>
+          </a:p>
+        </p:txBody>
+      </p:sp>
+      <p:sp>
+        <p:nvSpPr>
+          <p:cNvPr id="6" name="מציין מיקום של כותרת תחתונה 5"/>
+          <p:cNvSpPr>
+            <a:spLocks noGrp="1"/>
+          </p:cNvSpPr>
+          <p:nvPr>
+            <p:ph type="ftr" sz="quarter" idx="4"/>
+          </p:nvPr>
+        </p:nvSpPr>
+        <p:spPr>
+          <a:xfrm>
+            <a:off x="3886200" y="8685213"/>
+            <a:ext cx="2971800" cy="458787"/>
+          </a:xfrm>
+          <a:prstGeom prst="rect">
+            <a:avLst/>
+          </a:prstGeom>
+        </p:spPr>
+        <p:txBody>
+          <a:bodyPr vert="horz" lIns="91440" tIns="45720" rIns="91440" bIns="45720" rtlCol="1" anchor="b"/>
+          <a:lstStyle>
+            <a:lvl1pPr algn="r">
+              <a:defRPr sz="1200"/>
+            </a:lvl1pPr>
+          </a:lstStyle>
+          <a:p>
+            <a:endParaRPr lang="he-IL"/>
+          </a:p>
+        </p:txBody>
+      </p:sp>
+      <p:sp>
+        <p:nvSpPr>
+          <p:cNvPr id="7" name="מציין מיקום של מספר שקופית 6"/>
+          <p:cNvSpPr>
+            <a:spLocks noGrp="1"/>
+          </p:cNvSpPr>
+          <p:nvPr>
+            <p:ph type="sldNum" sz="quarter" idx="5"/>
+          </p:nvPr>
+        </p:nvSpPr>
+        <p:spPr>
+          <a:xfrm>
+            <a:off x="1588" y="8685213"/>
+            <a:ext cx="2971800" cy="458787"/>
+          </a:xfrm>
+          <a:prstGeom prst="rect">
+            <a:avLst/>
+          </a:prstGeom>
+        </p:spPr>
+        <p:txBody>
+          <a:bodyPr vert="horz" lIns="91440" tIns="45720" rIns="91440" bIns="45720" rtlCol="1" anchor="b"/>
+          <a:lstStyle>
+            <a:lvl1pPr algn="l">
+              <a:defRPr sz="1200"/>
+            </a:lvl1pPr>
+          </a:lstStyle>
+          <a:p>
+            <a:fld id="{B82D04FC-5618-4B1F-BBAC-CE6D6D1A7AF8}" type="slidenum">
+              <a:rPr lang="he-IL" smtClean="0"/>
+              <a:t>‹#›</a:t>
+            </a:fld>
+            <a:endParaRPr lang="he-IL"/>
+          </a:p>
+        </p:txBody>
+      </p:sp>
+    </p:spTree>
+    <p:extLst>
+      <p:ext uri="{BB962C8B-B14F-4D97-AF65-F5344CB8AC3E}">
+        <p14:creationId xmlns:p14="http://schemas.microsoft.com/office/powerpoint/2010/main" val="2597252869"/>
+      </p:ext>
+    </p:extLst>
+  </p:cSld>
+  <p:clrMap bg1="lt1" tx1="dk1" bg2="lt2" tx2="dk2" accent1="accent1" accent2="accent2" accent3="accent3" accent4="accent4" accent5="accent5" accent6="accent6" hlink="hlink" folHlink="folHlink"/>
+  <p:notesStyle>
+    <a:lvl1pPr marL="0" algn="r" defTabSz="914400" rtl="1" eaLnBrk="1" latinLnBrk="0" hangingPunct="1">
+      <a:defRPr sz="1200" kern="1200">
+        <a:solidFill>
+          <a:schemeClr val="tx1"/>
+        </a:solidFill>
+        <a:latin typeface="+mn-lt"/>
+        <a:ea typeface="+mn-ea"/>
+        <a:cs typeface="+mn-cs"/>
+      </a:defRPr>
+    </a:lvl1pPr>
+    <a:lvl2pPr marL="457200" algn="r" defTabSz="914400" rtl="1" eaLnBrk="1" latinLnBrk="0" hangingPunct="1">
+      <a:defRPr sz="1200" kern="1200">
+        <a:solidFill>
+          <a:schemeClr val="tx1"/>
+        </a:solidFill>
+        <a:latin typeface="+mn-lt"/>
+        <a:ea typeface="+mn-ea"/>
+        <a:cs typeface="+mn-cs"/>
+      </a:defRPr>
+    </a:lvl2pPr>
+    <a:lvl3pPr marL="914400" algn="r" defTabSz="914400" rtl="1" eaLnBrk="1" latinLnBrk="0" hangingPunct="1">
+      <a:defRPr sz="1200" kern="1200">
+        <a:solidFill>
+          <a:schemeClr val="tx1"/>
+        </a:solidFill>
+        <a:latin typeface="+mn-lt"/>
+        <a:ea typeface="+mn-ea"/>
+        <a:cs typeface="+mn-cs"/>
+      </a:defRPr>
+    </a:lvl3pPr>
+    <a:lvl4pPr marL="1371600" algn="r" defTabSz="914400" rtl="1" eaLnBrk="1" latinLnBrk="0" hangingPunct="1">
+      <a:defRPr sz="1200" kern="1200">
+        <a:solidFill>
+          <a:schemeClr val="tx1"/>
+        </a:solidFill>
+        <a:latin typeface="+mn-lt"/>
+        <a:ea typeface="+mn-ea"/>
+        <a:cs typeface="+mn-cs"/>
+      </a:defRPr>
+    </a:lvl4pPr>
+    <a:lvl5pPr marL="1828800" algn="r" defTabSz="914400" rtl="1" eaLnBrk="1" latinLnBrk="0" hangingPunct="1">
+      <a:defRPr sz="1200" kern="1200">
+        <a:solidFill>
+          <a:schemeClr val="tx1"/>
+        </a:solidFill>
+        <a:latin typeface="+mn-lt"/>
+        <a:ea typeface="+mn-ea"/>
+        <a:cs typeface="+mn-cs"/>
+      </a:defRPr>
+    </a:lvl5pPr>
+    <a:lvl6pPr marL="2286000" algn="r" defTabSz="914400" rtl="1" eaLnBrk="1" latinLnBrk="0" hangingPunct="1">
+      <a:defRPr sz="1200" kern="1200">
+        <a:solidFill>
+          <a:schemeClr val="tx1"/>
+        </a:solidFill>
+        <a:latin typeface="+mn-lt"/>
+        <a:ea typeface="+mn-ea"/>
+        <a:cs typeface="+mn-cs"/>
+      </a:defRPr>
+    </a:lvl6pPr>
+    <a:lvl7pPr marL="2743200" algn="r" defTabSz="914400" rtl="1" eaLnBrk="1" latinLnBrk="0" hangingPunct="1">
+      <a:defRPr sz="1200" kern="1200">
+        <a:solidFill>
+          <a:schemeClr val="tx1"/>
+        </a:solidFill>
+        <a:latin typeface="+mn-lt"/>
+        <a:ea typeface="+mn-ea"/>
+        <a:cs typeface="+mn-cs"/>
+      </a:defRPr>
+    </a:lvl7pPr>
+    <a:lvl8pPr marL="3200400" algn="r" defTabSz="914400" rtl="1" eaLnBrk="1" latinLnBrk="0" hangingPunct="1">
+      <a:defRPr sz="1200" kern="1200">
+        <a:solidFill>
+          <a:schemeClr val="tx1"/>
+        </a:solidFill>
+        <a:latin typeface="+mn-lt"/>
+        <a:ea typeface="+mn-ea"/>
+        <a:cs typeface="+mn-cs"/>
+      </a:defRPr>
+    </a:lvl8pPr>
+    <a:lvl9pPr marL="3657600" algn="r" defTabSz="914400" rtl="1" eaLnBrk="1" latinLnBrk="0" hangingPunct="1">
+      <a:defRPr sz="1200" kern="1200">
+        <a:solidFill>
+          <a:schemeClr val="tx1"/>
+        </a:solidFill>
+        <a:latin typeface="+mn-lt"/>
+        <a:ea typeface="+mn-ea"/>
+        <a:cs typeface="+mn-cs"/>
+      </a:defRPr>
+    </a:lvl9pPr>
+  </p:notesStyle>
+</p:notesMaster>
+</file>
+
+<file path=ppt/notesSlides/notesSlide1.xml><?xml version="1.0" encoding="utf-8"?>
+<p:notes xmlns:a="http://schemas.openxmlformats.org/drawingml/2006/main" xmlns:r="http://schemas.openxmlformats.org/officeDocument/2006/relationships" xmlns:p="http://schemas.openxmlformats.org/presentationml/2006/main">
+  <p:cSld>
+    <p:spTree>
+      <p:nvGrpSpPr>
+        <p:cNvPr id="1" name=""/>
+        <p:cNvGrpSpPr/>
+        <p:nvPr/>
+      </p:nvGrpSpPr>
+      <p:grpSpPr>
+        <a:xfrm>
+          <a:off x="0" y="0"/>
+          <a:ext cx="0" cy="0"/>
+          <a:chOff x="0" y="0"/>
+          <a:chExt cx="0" cy="0"/>
+        </a:xfrm>
+      </p:grpSpPr>
+      <p:sp>
+        <p:nvSpPr>
+          <p:cNvPr id="2" name="מציין מיקום של תמונת שקופית 1"/>
+          <p:cNvSpPr>
+            <a:spLocks noGrp="1" noRot="1" noChangeAspect="1"/>
+          </p:cNvSpPr>
+          <p:nvPr>
+            <p:ph type="sldImg"/>
+          </p:nvPr>
+        </p:nvSpPr>
+        <p:spPr/>
+      </p:sp>
+      <p:sp>
+        <p:nvSpPr>
+          <p:cNvPr id="3" name="מציין מיקום של הערות 2"/>
+          <p:cNvSpPr>
+            <a:spLocks noGrp="1"/>
+          </p:cNvSpPr>
+          <p:nvPr>
+            <p:ph type="body" idx="1"/>
+          </p:nvPr>
+        </p:nvSpPr>
+        <p:spPr/>
+        <p:txBody>
+          <a:bodyPr/>
+          <a:lstStyle/>
+          <a:p>
+            <a:r>
+              <a:rPr lang="he-IL" dirty="0"/>
+              <a:t>טקסט 1:</a:t>
+            </a:r>
+          </a:p>
+          <a:p>
+            <a:r>
+              <a:rPr lang="he-IL" dirty="0"/>
+              <a:t>"החבר שלי התעלף פתאום ולא מגיב, אני לא יודע מה לעשות"</a:t>
+            </a:r>
+          </a:p>
+          <a:p>
+            <a:endParaRPr lang="he-IL" dirty="0"/>
+          </a:p>
+          <a:p>
+            <a:r>
+              <a:rPr lang="he-IL" dirty="0"/>
+              <a:t>טקסט 2:</a:t>
+            </a:r>
+          </a:p>
+          <a:p>
+            <a:r>
+              <a:rPr lang="he-IL" dirty="0"/>
+              <a:t>"הוא שוכב על הרצפה, עיניים עצומות ולא עונה לי בכלל"</a:t>
+            </a:r>
+          </a:p>
+          <a:p>
+            <a:endParaRPr lang="he-IL" dirty="0"/>
+          </a:p>
+          <a:p>
+            <a:r>
+              <a:rPr lang="he-IL" dirty="0"/>
+              <a:t>לא מתאים כי זה לשפה חופשית. אחרת זה לא פותר אך בעיה</a:t>
+            </a:r>
+          </a:p>
+        </p:txBody>
+      </p:sp>
+      <p:sp>
+        <p:nvSpPr>
+          <p:cNvPr id="4" name="מציין מיקום של מספר שקופית 3"/>
+          <p:cNvSpPr>
+            <a:spLocks noGrp="1"/>
+          </p:cNvSpPr>
+          <p:nvPr>
+            <p:ph type="sldNum" sz="quarter" idx="5"/>
+          </p:nvPr>
+        </p:nvSpPr>
+        <p:spPr/>
+        <p:txBody>
+          <a:bodyPr/>
+          <a:lstStyle/>
+          <a:p>
+            <a:fld id="{B82D04FC-5618-4B1F-BBAC-CE6D6D1A7AF8}" type="slidenum">
+              <a:rPr lang="he-IL" smtClean="0"/>
+              <a:t>3</a:t>
+            </a:fld>
+            <a:endParaRPr lang="he-IL"/>
+          </a:p>
+        </p:txBody>
+      </p:sp>
+    </p:spTree>
+    <p:extLst>
+      <p:ext uri="{BB962C8B-B14F-4D97-AF65-F5344CB8AC3E}">
+        <p14:creationId xmlns:p14="http://schemas.microsoft.com/office/powerpoint/2010/main" val="3098557118"/>
+      </p:ext>
+    </p:extLst>
+  </p:cSld>
+  <p:clrMapOvr>
+    <a:masterClrMapping/>
+  </p:clrMapOvr>
+</p:notes>
+</file>
+
+<file path=ppt/notesSlides/notesSlide2.xml><?xml version="1.0" encoding="utf-8"?>
+<p:notes xmlns:a="http://schemas.openxmlformats.org/drawingml/2006/main" xmlns:r="http://schemas.openxmlformats.org/officeDocument/2006/relationships" xmlns:p="http://schemas.openxmlformats.org/presentationml/2006/main">
+  <p:cSld>
+    <p:spTree>
+      <p:nvGrpSpPr>
+        <p:cNvPr id="1" name=""/>
+        <p:cNvGrpSpPr/>
+        <p:nvPr/>
+      </p:nvGrpSpPr>
+      <p:grpSpPr>
+        <a:xfrm>
+          <a:off x="0" y="0"/>
+          <a:ext cx="0" cy="0"/>
+          <a:chOff x="0" y="0"/>
+          <a:chExt cx="0" cy="0"/>
+        </a:xfrm>
+      </p:grpSpPr>
+      <p:sp>
+        <p:nvSpPr>
+          <p:cNvPr id="2" name="מציין מיקום של תמונת שקופית 1"/>
+          <p:cNvSpPr>
+            <a:spLocks noGrp="1" noRot="1" noChangeAspect="1"/>
+          </p:cNvSpPr>
+          <p:nvPr>
+            <p:ph type="sldImg"/>
+          </p:nvPr>
+        </p:nvSpPr>
+        <p:spPr/>
+      </p:sp>
+      <p:sp>
+        <p:nvSpPr>
+          <p:cNvPr id="3" name="מציין מיקום של הערות 2"/>
+          <p:cNvSpPr>
+            <a:spLocks noGrp="1"/>
+          </p:cNvSpPr>
+          <p:nvPr>
+            <p:ph type="body" idx="1"/>
+          </p:nvPr>
+        </p:nvSpPr>
+        <p:spPr/>
+        <p:txBody>
+          <a:bodyPr/>
+          <a:lstStyle/>
+          <a:p>
+            <a:r>
+              <a:rPr lang="en-US" dirty="0"/>
+              <a:t>TF IDF</a:t>
+            </a:r>
+            <a:r>
+              <a:rPr lang="he-IL" dirty="0"/>
+              <a:t> שכלול ל </a:t>
+            </a:r>
+            <a:r>
+              <a:rPr lang="en-US" dirty="0" err="1"/>
+              <a:t>BoW</a:t>
+            </a:r>
+            <a:r>
+              <a:rPr lang="he-IL" dirty="0"/>
+              <a:t>. </a:t>
+            </a:r>
+            <a:r>
+              <a:rPr lang="he-IL" dirty="0" err="1"/>
+              <a:t>מסויף</a:t>
+            </a:r>
+            <a:r>
+              <a:rPr lang="he-IL" dirty="0"/>
+              <a:t> שכבת חשיבות שמתבססת על שכיחות, כמה המילה נדירה</a:t>
+            </a:r>
+          </a:p>
+          <a:p>
+            <a:pPr marL="0" indent="0">
+              <a:buNone/>
+            </a:pPr>
+            <a:endParaRPr lang="he-IL" b="0" dirty="0"/>
+          </a:p>
+          <a:p>
+            <a:pPr marL="0" indent="0">
+              <a:buNone/>
+            </a:pPr>
+            <a:r>
+              <a:rPr lang="he-IL" b="1" dirty="0"/>
+              <a:t>1. "הוא בהכרה, לא מתלונן על כאבים."</a:t>
+            </a:r>
+            <a:br>
+              <a:rPr lang="he-IL" dirty="0"/>
+            </a:br>
+            <a:r>
+              <a:rPr lang="he-IL" b="1" dirty="0"/>
+              <a:t>2. "הוא לא בהכרה, מתלונן על כאבים."</a:t>
+            </a:r>
+          </a:p>
+          <a:p>
+            <a:pPr marL="0" indent="0">
+              <a:buNone/>
+            </a:pPr>
+            <a:endParaRPr lang="he-IL" dirty="0"/>
+          </a:p>
+          <a:p>
+            <a:r>
+              <a:rPr lang="he-IL" dirty="0"/>
+              <a:t>"מרגיש לא" ו"לא מרגיש" ייתנו כמעט את אותו וקטור, כי המילים עצמן קיימות. </a:t>
+            </a:r>
+            <a:r>
+              <a:rPr lang="he-IL" b="1" dirty="0"/>
+              <a:t>הוא לא יבין את השלילה כשינוי מהותי:</a:t>
+            </a:r>
+            <a:r>
+              <a:rPr lang="he-IL" dirty="0"/>
+              <a:t> הוא רואה את "לא" כמילה נוספת. </a:t>
+            </a:r>
+          </a:p>
+          <a:p>
+            <a:r>
+              <a:rPr lang="he-IL" dirty="0"/>
+              <a:t>מתעלם מסדר, משמעות סמנטית וממשמעות השלילה</a:t>
+            </a:r>
+            <a:endParaRPr lang="he-IL" b="1" dirty="0"/>
+          </a:p>
+          <a:p>
+            <a:endParaRPr lang="he-IL" dirty="0"/>
+          </a:p>
+          <a:p>
+            <a:r>
+              <a:rPr lang="he-IL" dirty="0" err="1"/>
+              <a:t>אמבדינג</a:t>
+            </a:r>
+            <a:endParaRPr lang="he-IL" dirty="0"/>
+          </a:p>
+        </p:txBody>
+      </p:sp>
+      <p:sp>
+        <p:nvSpPr>
+          <p:cNvPr id="4" name="מציין מיקום של מספר שקופית 3"/>
+          <p:cNvSpPr>
+            <a:spLocks noGrp="1"/>
+          </p:cNvSpPr>
+          <p:nvPr>
+            <p:ph type="sldNum" sz="quarter" idx="5"/>
+          </p:nvPr>
+        </p:nvSpPr>
+        <p:spPr/>
+        <p:txBody>
+          <a:bodyPr/>
+          <a:lstStyle/>
+          <a:p>
+            <a:fld id="{B82D04FC-5618-4B1F-BBAC-CE6D6D1A7AF8}" type="slidenum">
+              <a:rPr lang="he-IL" smtClean="0"/>
+              <a:t>4</a:t>
+            </a:fld>
+            <a:endParaRPr lang="he-IL"/>
+          </a:p>
+        </p:txBody>
+      </p:sp>
+    </p:spTree>
+    <p:extLst>
+      <p:ext uri="{BB962C8B-B14F-4D97-AF65-F5344CB8AC3E}">
+        <p14:creationId xmlns:p14="http://schemas.microsoft.com/office/powerpoint/2010/main" val="1811701132"/>
+      </p:ext>
+    </p:extLst>
+  </p:cSld>
+  <p:clrMapOvr>
+    <a:masterClrMapping/>
+  </p:clrMapOvr>
+</p:notes>
+</file>
+
+<file path=ppt/notesSlides/notesSlide3.xml><?xml version="1.0" encoding="utf-8"?>
+<p:notes xmlns:a="http://schemas.openxmlformats.org/drawingml/2006/main" xmlns:r="http://schemas.openxmlformats.org/officeDocument/2006/relationships" xmlns:p="http://schemas.openxmlformats.org/presentationml/2006/main">
+  <p:cSld>
+    <p:spTree>
+      <p:nvGrpSpPr>
+        <p:cNvPr id="1" name=""/>
+        <p:cNvGrpSpPr/>
+        <p:nvPr/>
+      </p:nvGrpSpPr>
+      <p:grpSpPr>
+        <a:xfrm>
+          <a:off x="0" y="0"/>
+          <a:ext cx="0" cy="0"/>
+          <a:chOff x="0" y="0"/>
+          <a:chExt cx="0" cy="0"/>
+        </a:xfrm>
+      </p:grpSpPr>
+      <p:sp>
+        <p:nvSpPr>
+          <p:cNvPr id="2" name="מציין מיקום של תמונת שקופית 1"/>
+          <p:cNvSpPr>
+            <a:spLocks noGrp="1" noRot="1" noChangeAspect="1"/>
+          </p:cNvSpPr>
+          <p:nvPr>
+            <p:ph type="sldImg"/>
+          </p:nvPr>
+        </p:nvSpPr>
+        <p:spPr/>
+      </p:sp>
+      <p:sp>
+        <p:nvSpPr>
+          <p:cNvPr id="3" name="מציין מיקום של הערות 2"/>
+          <p:cNvSpPr>
+            <a:spLocks noGrp="1"/>
+          </p:cNvSpPr>
+          <p:nvPr>
+            <p:ph type="body" idx="1"/>
+          </p:nvPr>
+        </p:nvSpPr>
+        <p:spPr/>
+        <p:txBody>
+          <a:bodyPr/>
+          <a:lstStyle/>
+          <a:p>
+            <a:r>
+              <a:rPr lang="he-IL" dirty="0"/>
+              <a:t>"הילד נפל, קיבל מכה חזקה בראש ועכשיו הוא מקיא ולא מגיב"</a:t>
+            </a:r>
+          </a:p>
+          <a:p>
+            <a:endParaRPr lang="he-IL" dirty="0"/>
+          </a:p>
+          <a:p>
+            <a:r>
+              <a:rPr lang="he-IL" dirty="0"/>
+              <a:t> </a:t>
+            </a:r>
+            <a:r>
+              <a:rPr lang="en-US" dirty="0"/>
+              <a:t>RNN </a:t>
+            </a:r>
+            <a:r>
+              <a:rPr lang="he-IL" dirty="0"/>
+              <a:t>שומר זיכרון (</a:t>
+            </a:r>
+            <a:r>
+              <a:rPr lang="en-US" dirty="0"/>
+              <a:t>hidden state) </a:t>
+            </a:r>
+            <a:r>
+              <a:rPr lang="he-IL" dirty="0" err="1"/>
+              <a:t>מהקלטים</a:t>
+            </a:r>
+            <a:r>
+              <a:rPr lang="he-IL" dirty="0"/>
+              <a:t> שראה עד עכשיו.</a:t>
+            </a:r>
+          </a:p>
+          <a:p>
+            <a:endParaRPr lang="he-IL" dirty="0"/>
+          </a:p>
+        </p:txBody>
+      </p:sp>
+      <p:sp>
+        <p:nvSpPr>
+          <p:cNvPr id="4" name="מציין מיקום של מספר שקופית 3"/>
+          <p:cNvSpPr>
+            <a:spLocks noGrp="1"/>
+          </p:cNvSpPr>
+          <p:nvPr>
+            <p:ph type="sldNum" sz="quarter" idx="5"/>
+          </p:nvPr>
+        </p:nvSpPr>
+        <p:spPr/>
+        <p:txBody>
+          <a:bodyPr/>
+          <a:lstStyle/>
+          <a:p>
+            <a:fld id="{B82D04FC-5618-4B1F-BBAC-CE6D6D1A7AF8}" type="slidenum">
+              <a:rPr lang="he-IL" smtClean="0"/>
+              <a:t>5</a:t>
+            </a:fld>
+            <a:endParaRPr lang="he-IL"/>
+          </a:p>
+        </p:txBody>
+      </p:sp>
+    </p:spTree>
+    <p:extLst>
+      <p:ext uri="{BB962C8B-B14F-4D97-AF65-F5344CB8AC3E}">
+        <p14:creationId xmlns:p14="http://schemas.microsoft.com/office/powerpoint/2010/main" val="405737978"/>
+      </p:ext>
+    </p:extLst>
+  </p:cSld>
+  <p:clrMapOvr>
+    <a:masterClrMapping/>
+  </p:clrMapOvr>
+</p:notes>
+</file>
+
+<file path=ppt/notesSlides/notesSlide4.xml><?xml version="1.0" encoding="utf-8"?>
+<p:notes xmlns:a="http://schemas.openxmlformats.org/drawingml/2006/main" xmlns:r="http://schemas.openxmlformats.org/officeDocument/2006/relationships" xmlns:p="http://schemas.openxmlformats.org/presentationml/2006/main">
+  <p:cSld>
+    <p:spTree>
+      <p:nvGrpSpPr>
+        <p:cNvPr id="1" name=""/>
+        <p:cNvGrpSpPr/>
+        <p:nvPr/>
+      </p:nvGrpSpPr>
+      <p:grpSpPr>
+        <a:xfrm>
+          <a:off x="0" y="0"/>
+          <a:ext cx="0" cy="0"/>
+          <a:chOff x="0" y="0"/>
+          <a:chExt cx="0" cy="0"/>
+        </a:xfrm>
+      </p:grpSpPr>
+      <p:sp>
+        <p:nvSpPr>
+          <p:cNvPr id="2" name="מציין מיקום של תמונת שקופית 1"/>
+          <p:cNvSpPr>
+            <a:spLocks noGrp="1" noRot="1" noChangeAspect="1"/>
+          </p:cNvSpPr>
+          <p:nvPr>
+            <p:ph type="sldImg"/>
+          </p:nvPr>
+        </p:nvSpPr>
+        <p:spPr/>
+      </p:sp>
+      <p:sp>
+        <p:nvSpPr>
+          <p:cNvPr id="3" name="מציין מיקום של הערות 2"/>
+          <p:cNvSpPr>
+            <a:spLocks noGrp="1"/>
+          </p:cNvSpPr>
+          <p:nvPr>
+            <p:ph type="body" idx="1"/>
+          </p:nvPr>
+        </p:nvSpPr>
+        <p:spPr/>
+        <p:txBody>
+          <a:bodyPr/>
+          <a:lstStyle/>
+          <a:p>
+            <a:r>
+              <a:rPr lang="he-IL" dirty="0"/>
+              <a:t>קלט בזמן </a:t>
+            </a:r>
+            <a:r>
+              <a:rPr lang="en-US" dirty="0"/>
+              <a:t>t</a:t>
+            </a:r>
+            <a:endParaRPr lang="he-IL" dirty="0"/>
+          </a:p>
+          <a:p>
+            <a:r>
+              <a:rPr lang="he-IL" dirty="0"/>
+              <a:t>מצב נסתר – קלט לשערים </a:t>
+            </a:r>
+            <a:r>
+              <a:rPr lang="en-US" dirty="0"/>
+              <a:t>H</a:t>
+            </a:r>
+            <a:r>
+              <a:rPr lang="he-IL" dirty="0"/>
+              <a:t>. פלט התא בצעד הנוכחי. </a:t>
+            </a:r>
+            <a:r>
+              <a:rPr lang="he-IL" i="1" dirty="0"/>
+              <a:t>טווח קצר</a:t>
+            </a:r>
+          </a:p>
+          <a:p>
+            <a:r>
+              <a:rPr lang="he-IL" dirty="0"/>
+              <a:t>מצב זיכרון פנימי – זיכרון לטווח ארוך </a:t>
+            </a:r>
+            <a:r>
+              <a:rPr lang="en-US" dirty="0"/>
+              <a:t>C</a:t>
+            </a:r>
+            <a:endParaRPr lang="he-IL" dirty="0"/>
+          </a:p>
+          <a:p>
+            <a:endParaRPr lang="he-IL" dirty="0"/>
+          </a:p>
+          <a:p>
+            <a:endParaRPr lang="he-IL" dirty="0"/>
+          </a:p>
+          <a:p>
+            <a:r>
+              <a:rPr lang="he-IL" dirty="0"/>
+              <a:t>שערים. ערכים בין 0 ל1. מתגים, </a:t>
+            </a:r>
+            <a:r>
+              <a:rPr lang="he-IL" b="1" dirty="0"/>
+              <a:t>כמה</a:t>
+            </a:r>
+            <a:r>
+              <a:rPr lang="he-IL" dirty="0"/>
+              <a:t> לפעול. </a:t>
+            </a:r>
+            <a:r>
+              <a:rPr lang="he-IL" dirty="0" err="1"/>
+              <a:t>טן</a:t>
+            </a:r>
+            <a:r>
+              <a:rPr lang="he-IL" dirty="0"/>
+              <a:t> מחזיר </a:t>
+            </a:r>
+            <a:r>
+              <a:rPr lang="he-IL" b="1" dirty="0"/>
+              <a:t>מה </a:t>
+            </a:r>
+            <a:r>
+              <a:rPr lang="he-IL" dirty="0"/>
+              <a:t>בין מינוס 1 ל1, טווח רחב יותר של ערכים – שליליים וחיובים</a:t>
+            </a:r>
+          </a:p>
+          <a:p>
+            <a:endParaRPr lang="he-IL" dirty="0"/>
+          </a:p>
+          <a:p>
+            <a:r>
+              <a:rPr lang="he-IL" dirty="0"/>
+              <a:t>משלב את המידע מ</a:t>
+            </a:r>
+            <a:r>
+              <a:rPr lang="en-US" dirty="0"/>
+              <a:t>H</a:t>
+            </a:r>
+            <a:r>
+              <a:rPr lang="he-IL" dirty="0"/>
+              <a:t> ו</a:t>
+            </a:r>
+            <a:r>
+              <a:rPr lang="en-US" dirty="0"/>
+              <a:t>X</a:t>
+            </a:r>
+            <a:r>
+              <a:rPr lang="he-IL" dirty="0"/>
+              <a:t> ומעביר באקטיבציה</a:t>
+            </a:r>
+          </a:p>
+          <a:p>
+            <a:r>
+              <a:rPr lang="he-IL" dirty="0" err="1"/>
+              <a:t>סיגמואיד</a:t>
+            </a:r>
+            <a:endParaRPr lang="he-IL" dirty="0"/>
+          </a:p>
+          <a:p>
+            <a:endParaRPr lang="he-IL" dirty="0"/>
+          </a:p>
+          <a:p>
+            <a:r>
+              <a:rPr lang="en-US" dirty="0"/>
+              <a:t>C~</a:t>
+            </a:r>
+            <a:r>
+              <a:rPr lang="he-IL" dirty="0"/>
+              <a:t> יוצר וקטור של ערכים פוטנציאלים</a:t>
+            </a:r>
+          </a:p>
+        </p:txBody>
+      </p:sp>
+      <p:sp>
+        <p:nvSpPr>
+          <p:cNvPr id="4" name="מציין מיקום של מספר שקופית 3"/>
+          <p:cNvSpPr>
+            <a:spLocks noGrp="1"/>
+          </p:cNvSpPr>
+          <p:nvPr>
+            <p:ph type="sldNum" sz="quarter" idx="5"/>
+          </p:nvPr>
+        </p:nvSpPr>
+        <p:spPr/>
+        <p:txBody>
+          <a:bodyPr/>
+          <a:lstStyle/>
+          <a:p>
+            <a:fld id="{B82D04FC-5618-4B1F-BBAC-CE6D6D1A7AF8}" type="slidenum">
+              <a:rPr lang="he-IL" smtClean="0"/>
+              <a:t>6</a:t>
+            </a:fld>
+            <a:endParaRPr lang="he-IL"/>
+          </a:p>
+        </p:txBody>
+      </p:sp>
+    </p:spTree>
+    <p:extLst>
+      <p:ext uri="{BB962C8B-B14F-4D97-AF65-F5344CB8AC3E}">
+        <p14:creationId xmlns:p14="http://schemas.microsoft.com/office/powerpoint/2010/main" val="2620023492"/>
+      </p:ext>
+    </p:extLst>
+  </p:cSld>
+  <p:clrMapOvr>
+    <a:masterClrMapping/>
+  </p:clrMapOvr>
+</p:notes>
+</file>
+
 <file path=ppt/slideLayouts/slideLayout1.xml><?xml version="1.0" encoding="utf-8"?>
 <p:sldLayout xmlns:a="http://schemas.openxmlformats.org/drawingml/2006/main" xmlns:r="http://schemas.openxmlformats.org/officeDocument/2006/relationships" xmlns:p="http://schemas.openxmlformats.org/presentationml/2006/main" type="title" preserve="1">
   <p:cSld name="שקופית כותרת">
@@ -12586,7 +13543,7 @@
           <p:nvPr/>
         </p:nvPicPr>
         <p:blipFill>
-          <a:blip r:embed="rId2">
+          <a:blip r:embed="rId3">
             <a:duotone>
               <a:schemeClr val="accent4">
                 <a:shade val="45000"/>
@@ -12766,7 +13723,7 @@
           <p:nvPr/>
         </p:nvPicPr>
         <p:blipFill>
-          <a:blip r:embed="rId2"/>
+          <a:blip r:embed="rId3"/>
           <a:stretch>
             <a:fillRect/>
           </a:stretch>
@@ -12835,9 +13792,16 @@
         </p:nvSpPr>
         <p:spPr/>
         <p:txBody>
-          <a:bodyPr/>
+          <a:bodyPr>
+            <a:normAutofit fontScale="90000"/>
+          </a:bodyPr>
           <a:lstStyle/>
           <a:p>
+            <a:pPr>
+              <a:lnSpc>
+                <a:spcPct val="130000"/>
+              </a:lnSpc>
+            </a:pPr>
             <a:r>
               <a:rPr lang="he-IL" dirty="0">
                 <a:solidFill>
@@ -12847,7 +13811,7 @@
                 <a:ea typeface="Calibri" panose="020F0502020204030204" pitchFamily="34" charset="0"/>
                 <a:cs typeface="Calibri" panose="020F0502020204030204" pitchFamily="34" charset="0"/>
               </a:rPr>
-              <a:t>ניתוח טקסט - </a:t>
+              <a:t>ניתוח טקסט – </a:t>
             </a:r>
             <a:r>
               <a:rPr lang="en-US" dirty="0">
@@ -12859,6 +13823,27 @@
                 <a:cs typeface="Calibri" panose="020F0502020204030204" pitchFamily="34" charset="0"/>
               </a:rPr>
               <a:t>NLP</a:t>
+            </a:r>
+            <a:br>
+              <a:rPr lang="he-IL" dirty="0">
+                <a:solidFill>
+                  <a:schemeClr val="accent1"/>
+                </a:solidFill>
+                <a:latin typeface="Calibri" panose="020F0502020204030204" pitchFamily="34" charset="0"/>
+                <a:ea typeface="Calibri" panose="020F0502020204030204" pitchFamily="34" charset="0"/>
+                <a:cs typeface="Calibri" panose="020F0502020204030204" pitchFamily="34" charset="0"/>
+              </a:rPr>
+            </a:br>
+            <a:r>
+              <a:rPr lang="he-IL" sz="3600" dirty="0">
+                <a:solidFill>
+                  <a:schemeClr val="accent1"/>
+                </a:solidFill>
+                <a:latin typeface="Calibri" panose="020F0502020204030204" pitchFamily="34" charset="0"/>
+                <a:ea typeface="Calibri" panose="020F0502020204030204" pitchFamily="34" charset="0"/>
+                <a:cs typeface="Calibri" panose="020F0502020204030204" pitchFamily="34" charset="0"/>
+              </a:rPr>
+              <a:t>רשתות נוירונים</a:t>
             </a:r>
             <a:endParaRPr lang="he-IL" dirty="0">
               <a:solidFill>
@@ -12887,7 +13872,12 @@
             <p:ph idx="1"/>
           </p:nvPr>
         </p:nvSpPr>
-        <p:spPr/>
+        <p:spPr>
+          <a:xfrm>
+            <a:off x="838200" y="2312027"/>
+            <a:ext cx="10515600" cy="4351338"/>
+          </a:xfrm>
+        </p:spPr>
         <p:txBody>
           <a:bodyPr/>
           <a:lstStyle/>
@@ -12906,86 +13896,14 @@
               <a:cs typeface="Calibri" panose="020F0502020204030204" pitchFamily="34" charset="0"/>
             </a:endParaRPr>
           </a:p>
-          <a:p>
-            <a:r>
-              <a:rPr lang="en-US" dirty="0">
-                <a:latin typeface="Calibri" panose="020F0502020204030204" pitchFamily="34" charset="0"/>
-                <a:ea typeface="Calibri" panose="020F0502020204030204" pitchFamily="34" charset="0"/>
-                <a:cs typeface="Calibri" panose="020F0502020204030204" pitchFamily="34" charset="0"/>
-              </a:rPr>
-              <a:t>LSTM</a:t>
-            </a:r>
-            <a:r>
-              <a:rPr lang="he-IL" dirty="0">
-                <a:latin typeface="Calibri" panose="020F0502020204030204" pitchFamily="34" charset="0"/>
-                <a:ea typeface="Calibri" panose="020F0502020204030204" pitchFamily="34" charset="0"/>
-                <a:cs typeface="Calibri" panose="020F0502020204030204" pitchFamily="34" charset="0"/>
-              </a:rPr>
-              <a:t>            </a:t>
-            </a:r>
-            <a:endParaRPr lang="he-IL" dirty="0">
-              <a:solidFill>
-                <a:srgbClr val="FF0000"/>
-              </a:solidFill>
-              <a:latin typeface="Calibri" panose="020F0502020204030204" pitchFamily="34" charset="0"/>
-              <a:ea typeface="Calibri" panose="020F0502020204030204" pitchFamily="34" charset="0"/>
-              <a:cs typeface="Calibri" panose="020F0502020204030204" pitchFamily="34" charset="0"/>
-            </a:endParaRPr>
-          </a:p>
-          <a:p>
-            <a:r>
-              <a:rPr lang="en-US" dirty="0" err="1">
-                <a:latin typeface="Calibri" panose="020F0502020204030204" pitchFamily="34" charset="0"/>
-                <a:ea typeface="Calibri" panose="020F0502020204030204" pitchFamily="34" charset="0"/>
-                <a:cs typeface="Calibri" panose="020F0502020204030204" pitchFamily="34" charset="0"/>
-              </a:rPr>
-              <a:t>BiLSTM</a:t>
-            </a:r>
-            <a:r>
-              <a:rPr lang="he-IL" dirty="0">
-                <a:latin typeface="Calibri" panose="020F0502020204030204" pitchFamily="34" charset="0"/>
-                <a:ea typeface="Calibri" panose="020F0502020204030204" pitchFamily="34" charset="0"/>
-                <a:cs typeface="Calibri" panose="020F0502020204030204" pitchFamily="34" charset="0"/>
-              </a:rPr>
-              <a:t> קטגוריאלי ובינארי</a:t>
-            </a:r>
-          </a:p>
         </p:txBody>
       </p:sp>
-      <p:graphicFrame>
-        <p:nvGraphicFramePr>
-          <p:cNvPr id="4" name="דיאגרמה 3">
+      <p:pic>
+        <p:nvPicPr>
+          <p:cNvPr id="10" name="תמונה 9" descr="תמונה שמכילה עיגול, צילום מסך, קו&#10;&#10;תוכן בינה מלאכותית גנרטיבית עשוי להיות שגוי.">
             <a:extLst>
               <a:ext uri="{FF2B5EF4-FFF2-40B4-BE49-F238E27FC236}">
-                <a16:creationId xmlns:a16="http://schemas.microsoft.com/office/drawing/2014/main" id="{059F53B2-8D8B-6043-CDBE-67CA68467EB8}"/>
-              </a:ext>
-            </a:extLst>
-          </p:cNvPr>
-          <p:cNvGraphicFramePr/>
-          <p:nvPr>
-            <p:extLst>
-              <p:ext uri="{D42A27DB-BD31-4B8C-83A1-F6EECF244321}">
-                <p14:modId xmlns:p14="http://schemas.microsoft.com/office/powerpoint/2010/main" val="3833398579"/>
-              </p:ext>
-            </p:extLst>
-          </p:nvPr>
-        </p:nvGraphicFramePr>
-        <p:xfrm>
-          <a:off x="176462" y="4463845"/>
-          <a:ext cx="11848389" cy="2029030"/>
-        </p:xfrm>
-        <a:graphic>
-          <a:graphicData uri="http://schemas.openxmlformats.org/drawingml/2006/diagram">
-            <dgm:relIds xmlns:dgm="http://schemas.openxmlformats.org/drawingml/2006/diagram" xmlns:r="http://schemas.openxmlformats.org/officeDocument/2006/relationships" r:dm="rId2" r:lo="rId3" r:qs="rId4" r:cs="rId5"/>
-          </a:graphicData>
-        </a:graphic>
-      </p:graphicFrame>
-      <p:pic>
-        <p:nvPicPr>
-          <p:cNvPr id="6" name="תמונה 5">
-            <a:extLst>
-              <a:ext uri="{FF2B5EF4-FFF2-40B4-BE49-F238E27FC236}">
-                <a16:creationId xmlns:a16="http://schemas.microsoft.com/office/drawing/2014/main" id="{CB693A75-E88A-5B68-53F1-A79A0FE6ED4A}"/>
+                <a16:creationId xmlns:a16="http://schemas.microsoft.com/office/drawing/2014/main" id="{2A8117FE-9286-2253-DB83-004688D7995B}"/>
               </a:ext>
             </a:extLst>
           </p:cNvPr>
@@ -12995,23 +13913,10 @@
           <p:nvPr/>
         </p:nvPicPr>
         <p:blipFill>
-          <a:blip r:embed="rId7">
-            <a:duotone>
-              <a:srgbClr val="0F9ED5">
-                <a:shade val="45000"/>
-                <a:satMod val="135000"/>
-              </a:srgbClr>
-              <a:prstClr val="white"/>
-            </a:duotone>
+          <a:blip r:embed="rId3">
             <a:extLst>
-              <a:ext uri="{BEBA8EAE-BF5A-486C-A8C5-ECC9F3942E4B}">
-                <a14:imgProps xmlns:a14="http://schemas.microsoft.com/office/drawing/2010/main">
-                  <a14:imgLayer r:embed="rId8">
-                    <a14:imgEffect>
-                      <a14:sharpenSoften amount="50000"/>
-                    </a14:imgEffect>
-                  </a14:imgLayer>
-                </a14:imgProps>
+              <a:ext uri="{28A0092B-C50C-407E-A947-70E740481C1C}">
+                <a14:useLocalDpi xmlns:a14="http://schemas.microsoft.com/office/drawing/2010/main" val="0"/>
               </a:ext>
             </a:extLst>
           </a:blip>
@@ -13021,8 +13926,8 @@
         </p:blipFill>
         <p:spPr>
           <a:xfrm>
-            <a:off x="713785" y="897397"/>
-            <a:ext cx="4039164" cy="3686689"/>
+            <a:off x="1018592" y="1027906"/>
+            <a:ext cx="5077408" cy="4633230"/>
           </a:xfrm>
           <a:prstGeom prst="rect">
             <a:avLst/>
@@ -13064,6 +13969,201 @@
           <p:cNvPr id="2" name="כותרת 1">
             <a:extLst>
               <a:ext uri="{FF2B5EF4-FFF2-40B4-BE49-F238E27FC236}">
+                <a16:creationId xmlns:a16="http://schemas.microsoft.com/office/drawing/2014/main" id="{458C9D99-3E02-76BB-9810-73C7ECC80ED0}"/>
+              </a:ext>
+            </a:extLst>
+          </p:cNvPr>
+          <p:cNvSpPr>
+            <a:spLocks noGrp="1"/>
+          </p:cNvSpPr>
+          <p:nvPr>
+            <p:ph type="title"/>
+          </p:nvPr>
+        </p:nvSpPr>
+        <p:spPr/>
+        <p:txBody>
+          <a:bodyPr/>
+          <a:lstStyle/>
+          <a:p>
+            <a:r>
+              <a:rPr lang="he-IL" dirty="0">
+                <a:solidFill>
+                  <a:schemeClr val="accent1"/>
+                </a:solidFill>
+                <a:latin typeface="Calibri" panose="020F0502020204030204" pitchFamily="34" charset="0"/>
+                <a:ea typeface="Calibri" panose="020F0502020204030204" pitchFamily="34" charset="0"/>
+                <a:cs typeface="Calibri" panose="020F0502020204030204" pitchFamily="34" charset="0"/>
+              </a:rPr>
+              <a:t>רשתות נוירונים - המשך</a:t>
+            </a:r>
+          </a:p>
+        </p:txBody>
+      </p:sp>
+      <p:sp>
+        <p:nvSpPr>
+          <p:cNvPr id="3" name="מציין מיקום תוכן 2">
+            <a:extLst>
+              <a:ext uri="{FF2B5EF4-FFF2-40B4-BE49-F238E27FC236}">
+                <a16:creationId xmlns:a16="http://schemas.microsoft.com/office/drawing/2014/main" id="{82A98652-8E34-266B-ACEE-A2D0BB2710CF}"/>
+              </a:ext>
+            </a:extLst>
+          </p:cNvPr>
+          <p:cNvSpPr>
+            <a:spLocks noGrp="1"/>
+          </p:cNvSpPr>
+          <p:nvPr>
+            <p:ph idx="1"/>
+          </p:nvPr>
+        </p:nvSpPr>
+        <p:spPr/>
+        <p:txBody>
+          <a:bodyPr/>
+          <a:lstStyle/>
+          <a:p>
+            <a:r>
+              <a:rPr lang="en-US" dirty="0">
+                <a:latin typeface="Calibri" panose="020F0502020204030204" pitchFamily="34" charset="0"/>
+                <a:ea typeface="Calibri" panose="020F0502020204030204" pitchFamily="34" charset="0"/>
+                <a:cs typeface="Calibri" panose="020F0502020204030204" pitchFamily="34" charset="0"/>
+              </a:rPr>
+              <a:t>LSTM</a:t>
+            </a:r>
+            <a:r>
+              <a:rPr lang="he-IL" dirty="0">
+                <a:latin typeface="Calibri" panose="020F0502020204030204" pitchFamily="34" charset="0"/>
+                <a:ea typeface="Calibri" panose="020F0502020204030204" pitchFamily="34" charset="0"/>
+                <a:cs typeface="Calibri" panose="020F0502020204030204" pitchFamily="34" charset="0"/>
+              </a:rPr>
+              <a:t>            </a:t>
+            </a:r>
+            <a:endParaRPr lang="he-IL" dirty="0">
+              <a:solidFill>
+                <a:srgbClr val="FF0000"/>
+              </a:solidFill>
+              <a:latin typeface="Calibri" panose="020F0502020204030204" pitchFamily="34" charset="0"/>
+              <a:ea typeface="Calibri" panose="020F0502020204030204" pitchFamily="34" charset="0"/>
+              <a:cs typeface="Calibri" panose="020F0502020204030204" pitchFamily="34" charset="0"/>
+            </a:endParaRPr>
+          </a:p>
+          <a:p>
+            <a:r>
+              <a:rPr lang="en-US" dirty="0" err="1">
+                <a:latin typeface="Calibri" panose="020F0502020204030204" pitchFamily="34" charset="0"/>
+                <a:ea typeface="Calibri" panose="020F0502020204030204" pitchFamily="34" charset="0"/>
+                <a:cs typeface="Calibri" panose="020F0502020204030204" pitchFamily="34" charset="0"/>
+              </a:rPr>
+              <a:t>BiLSTM</a:t>
+            </a:r>
+            <a:r>
+              <a:rPr lang="he-IL" dirty="0">
+                <a:latin typeface="Calibri" panose="020F0502020204030204" pitchFamily="34" charset="0"/>
+                <a:ea typeface="Calibri" panose="020F0502020204030204" pitchFamily="34" charset="0"/>
+                <a:cs typeface="Calibri" panose="020F0502020204030204" pitchFamily="34" charset="0"/>
+              </a:rPr>
+              <a:t> קטגוריאלי ובינארי</a:t>
+            </a:r>
+          </a:p>
+        </p:txBody>
+      </p:sp>
+      <p:graphicFrame>
+        <p:nvGraphicFramePr>
+          <p:cNvPr id="4" name="דיאגרמה 3">
+            <a:extLst>
+              <a:ext uri="{FF2B5EF4-FFF2-40B4-BE49-F238E27FC236}">
+                <a16:creationId xmlns:a16="http://schemas.microsoft.com/office/drawing/2014/main" id="{059F53B2-8D8B-6043-CDBE-67CA68467EB8}"/>
+              </a:ext>
+            </a:extLst>
+          </p:cNvPr>
+          <p:cNvGraphicFramePr/>
+          <p:nvPr>
+            <p:extLst>
+              <p:ext uri="{D42A27DB-BD31-4B8C-83A1-F6EECF244321}">
+                <p14:modId xmlns:p14="http://schemas.microsoft.com/office/powerpoint/2010/main" val="1643297066"/>
+              </p:ext>
+            </p:extLst>
+          </p:nvPr>
+        </p:nvGraphicFramePr>
+        <p:xfrm>
+          <a:off x="176462" y="4463845"/>
+          <a:ext cx="11848389" cy="2029030"/>
+        </p:xfrm>
+        <a:graphic>
+          <a:graphicData uri="http://schemas.openxmlformats.org/drawingml/2006/diagram">
+            <dgm:relIds xmlns:dgm="http://schemas.openxmlformats.org/drawingml/2006/diagram" xmlns:r="http://schemas.openxmlformats.org/officeDocument/2006/relationships" r:dm="rId3" r:lo="rId4" r:qs="rId5" r:cs="rId6"/>
+          </a:graphicData>
+        </a:graphic>
+      </p:graphicFrame>
+      <p:pic>
+        <p:nvPicPr>
+          <p:cNvPr id="8" name="תמונה 7" descr="תמונה שמכילה צילום מסך, תרשים, טקסט&#10;&#10;תוכן בינה מלאכותית גנרטיבית עשוי להיות שגוי.">
+            <a:extLst>
+              <a:ext uri="{FF2B5EF4-FFF2-40B4-BE49-F238E27FC236}">
+                <a16:creationId xmlns:a16="http://schemas.microsoft.com/office/drawing/2014/main" id="{EE2C25DE-21DE-F921-7847-3EFA6547157E}"/>
+              </a:ext>
+            </a:extLst>
+          </p:cNvPr>
+          <p:cNvPicPr>
+            <a:picLocks noChangeAspect="1"/>
+          </p:cNvPicPr>
+          <p:nvPr/>
+        </p:nvPicPr>
+        <p:blipFill>
+          <a:blip r:embed="rId8">
+            <a:extLst>
+              <a:ext uri="{28A0092B-C50C-407E-A947-70E740481C1C}">
+                <a14:useLocalDpi xmlns:a14="http://schemas.microsoft.com/office/drawing/2010/main" val="0"/>
+              </a:ext>
+            </a:extLst>
+          </a:blip>
+          <a:stretch>
+            <a:fillRect/>
+          </a:stretch>
+        </p:blipFill>
+        <p:spPr>
+          <a:xfrm>
+            <a:off x="373658" y="1575145"/>
+            <a:ext cx="6735523" cy="3139180"/>
+          </a:xfrm>
+          <a:prstGeom prst="rect">
+            <a:avLst/>
+          </a:prstGeom>
+        </p:spPr>
+      </p:pic>
+    </p:spTree>
+    <p:extLst>
+      <p:ext uri="{BB962C8B-B14F-4D97-AF65-F5344CB8AC3E}">
+        <p14:creationId xmlns:p14="http://schemas.microsoft.com/office/powerpoint/2010/main" val="3650047099"/>
+      </p:ext>
+    </p:extLst>
+  </p:cSld>
+  <p:clrMapOvr>
+    <a:masterClrMapping/>
+  </p:clrMapOvr>
+</p:sld>
+</file>
+
+<file path=ppt/slides/slide7.xml><?xml version="1.0" encoding="utf-8"?>
+<p:sld xmlns:a="http://schemas.openxmlformats.org/drawingml/2006/main" xmlns:r="http://schemas.openxmlformats.org/officeDocument/2006/relationships" xmlns:p="http://schemas.openxmlformats.org/presentationml/2006/main">
+  <p:cSld>
+    <p:spTree>
+      <p:nvGrpSpPr>
+        <p:cNvPr id="1" name=""/>
+        <p:cNvGrpSpPr/>
+        <p:nvPr/>
+      </p:nvGrpSpPr>
+      <p:grpSpPr>
+        <a:xfrm>
+          <a:off x="0" y="0"/>
+          <a:ext cx="0" cy="0"/>
+          <a:chOff x="0" y="0"/>
+          <a:chExt cx="0" cy="0"/>
+        </a:xfrm>
+      </p:grpSpPr>
+      <p:sp>
+        <p:nvSpPr>
+          <p:cNvPr id="2" name="כותרת 1">
+            <a:extLst>
+              <a:ext uri="{FF2B5EF4-FFF2-40B4-BE49-F238E27FC236}">
                 <a16:creationId xmlns:a16="http://schemas.microsoft.com/office/drawing/2014/main" id="{08449A56-236B-6877-24B6-1A5F8FDCF20A}"/>
               </a:ext>
             </a:extLst>
@@ -13144,7 +14244,7 @@
 </p:sld>
 </file>
 
-<file path=ppt/slides/slide7.xml><?xml version="1.0" encoding="utf-8"?>
+<file path=ppt/slides/slide8.xml><?xml version="1.0" encoding="utf-8"?>
 <p:sld xmlns:a="http://schemas.openxmlformats.org/drawingml/2006/main" xmlns:r="http://schemas.openxmlformats.org/officeDocument/2006/relationships" xmlns:p="http://schemas.openxmlformats.org/presentationml/2006/main">
   <p:cSld>
     <p:spTree>
@@ -13683,4 +14783,319 @@
     </a:ext>
   </a:extLst>
 </a:theme>
+</file>
+
+<file path=ppt/theme/theme2.xml><?xml version="1.0" encoding="utf-8"?>
+<a:theme xmlns:a="http://schemas.openxmlformats.org/drawingml/2006/main" name="ערכת נושא Office">
+  <a:themeElements>
+    <a:clrScheme name="Office">
+      <a:dk1>
+        <a:sysClr val="windowText" lastClr="000000"/>
+      </a:dk1>
+      <a:lt1>
+        <a:sysClr val="window" lastClr="FFFFFF"/>
+      </a:lt1>
+      <a:dk2>
+        <a:srgbClr val="0E2841"/>
+      </a:dk2>
+      <a:lt2>
+        <a:srgbClr val="E8E8E8"/>
+      </a:lt2>
+      <a:accent1>
+        <a:srgbClr val="156082"/>
+      </a:accent1>
+      <a:accent2>
+        <a:srgbClr val="E97132"/>
+      </a:accent2>
+      <a:accent3>
+        <a:srgbClr val="196B24"/>
+      </a:accent3>
+      <a:accent4>
+        <a:srgbClr val="0F9ED5"/>
+      </a:accent4>
+      <a:accent5>
+        <a:srgbClr val="A02B93"/>
+      </a:accent5>
+      <a:accent6>
+        <a:srgbClr val="4EA72E"/>
+      </a:accent6>
+      <a:hlink>
+        <a:srgbClr val="467886"/>
+      </a:hlink>
+      <a:folHlink>
+        <a:srgbClr val="96607D"/>
+      </a:folHlink>
+    </a:clrScheme>
+    <a:fontScheme name="Office">
+      <a:majorFont>
+        <a:latin typeface="Aptos Display" panose="02110004020202020204"/>
+        <a:ea typeface=""/>
+        <a:cs typeface=""/>
+        <a:font script="Jpan" typeface="游ゴシック Light"/>
+        <a:font script="Hang" typeface="맑은 고딕"/>
+        <a:font script="Hans" typeface="等线 Light"/>
+        <a:font script="Hant" typeface="新細明體"/>
+        <a:font script="Arab" typeface="Times New Roman"/>
+        <a:font script="Hebr" typeface="Times New Roman"/>
+        <a:font script="Thai" typeface="Angsana New"/>
+        <a:font script="Ethi" typeface="Nyala"/>
+        <a:font script="Beng" typeface="Vrinda"/>
+        <a:font script="Gujr" typeface="Shruti"/>
+        <a:font script="Khmr" typeface="MoolBoran"/>
+        <a:font script="Knda" typeface="Tunga"/>
+        <a:font script="Guru" typeface="Raavi"/>
+        <a:font script="Cans" typeface="Euphemia"/>
+        <a:font script="Cher" typeface="Plantagenet Cherokee"/>
+        <a:font script="Yiii" typeface="Microsoft Yi Baiti"/>
+        <a:font script="Tibt" typeface="Microsoft Himalaya"/>
+        <a:font script="Thaa" typeface="MV Boli"/>
+        <a:font script="Deva" typeface="Mangal"/>
+        <a:font script="Telu" typeface="Gautami"/>
+        <a:font script="Taml" typeface="Latha"/>
+        <a:font script="Syrc" typeface="Estrangelo Edessa"/>
+        <a:font script="Orya" typeface="Kalinga"/>
+        <a:font script="Mlym" typeface="Kartika"/>
+        <a:font script="Laoo" typeface="DokChampa"/>
+        <a:font script="Sinh" typeface="Iskoola Pota"/>
+        <a:font script="Mong" typeface="Mongolian Baiti"/>
+        <a:font script="Viet" typeface="Times New Roman"/>
+        <a:font script="Uigh" typeface="Microsoft Uighur"/>
+        <a:font script="Geor" typeface="Sylfaen"/>
+        <a:font script="Armn" typeface="Arial"/>
+        <a:font script="Bugi" typeface="Leelawadee UI"/>
+        <a:font script="Bopo" typeface="Microsoft JhengHei"/>
+        <a:font script="Java" typeface="Javanese Text"/>
+        <a:font script="Lisu" typeface="Segoe UI"/>
+        <a:font script="Mymr" typeface="Myanmar Text"/>
+        <a:font script="Nkoo" typeface="Ebrima"/>
+        <a:font script="Olck" typeface="Nirmala UI"/>
+        <a:font script="Osma" typeface="Ebrima"/>
+        <a:font script="Phag" typeface="Phagspa"/>
+        <a:font script="Syrn" typeface="Estrangelo Edessa"/>
+        <a:font script="Syrj" typeface="Estrangelo Edessa"/>
+        <a:font script="Syre" typeface="Estrangelo Edessa"/>
+        <a:font script="Sora" typeface="Nirmala UI"/>
+        <a:font script="Tale" typeface="Microsoft Tai Le"/>
+        <a:font script="Talu" typeface="Microsoft New Tai Lue"/>
+        <a:font script="Tfng" typeface="Ebrima"/>
+      </a:majorFont>
+      <a:minorFont>
+        <a:latin typeface="Aptos" panose="02110004020202020204"/>
+        <a:ea typeface=""/>
+        <a:cs typeface=""/>
+        <a:font script="Jpan" typeface="游ゴシック"/>
+        <a:font script="Hang" typeface="맑은 고딕"/>
+        <a:font script="Hans" typeface="等线"/>
+        <a:font script="Hant" typeface="新細明體"/>
+        <a:font script="Arab" typeface="Arial"/>
+        <a:font script="Hebr" typeface="Arial"/>
+        <a:font script="Thai" typeface="Cordia New"/>
+        <a:font script="Ethi" typeface="Nyala"/>
+        <a:font script="Beng" typeface="Vrinda"/>
+        <a:font script="Gujr" typeface="Shruti"/>
+        <a:font script="Khmr" typeface="DaunPenh"/>
+        <a:font script="Knda" typeface="Tunga"/>
+        <a:font script="Guru" typeface="Raavi"/>
+        <a:font script="Cans" typeface="Euphemia"/>
+        <a:font script="Cher" typeface="Plantagenet Cherokee"/>
+        <a:font script="Yiii" typeface="Microsoft Yi Baiti"/>
+        <a:font script="Tibt" typeface="Microsoft Himalaya"/>
+        <a:font script="Thaa" typeface="MV Boli"/>
+        <a:font script="Deva" typeface="Mangal"/>
+        <a:font script="Telu" typeface="Gautami"/>
+        <a:font script="Taml" typeface="Latha"/>
+        <a:font script="Syrc" typeface="Estrangelo Edessa"/>
+        <a:font script="Orya" typeface="Kalinga"/>
+        <a:font script="Mlym" typeface="Kartika"/>
+        <a:font script="Laoo" typeface="DokChampa"/>
+        <a:font script="Sinh" typeface="Iskoola Pota"/>
+        <a:font script="Mong" typeface="Mongolian Baiti"/>
+        <a:font script="Viet" typeface="Arial"/>
+        <a:font script="Uigh" typeface="Microsoft Uighur"/>
+        <a:font script="Geor" typeface="Sylfaen"/>
+        <a:font script="Armn" typeface="Arial"/>
+        <a:font script="Bugi" typeface="Leelawadee UI"/>
+        <a:font script="Bopo" typeface="Microsoft JhengHei"/>
+        <a:font script="Java" typeface="Javanese Text"/>
+        <a:font script="Lisu" typeface="Segoe UI"/>
+        <a:font script="Mymr" typeface="Myanmar Text"/>
+        <a:font script="Nkoo" typeface="Ebrima"/>
+        <a:font script="Olck" typeface="Nirmala UI"/>
+        <a:font script="Osma" typeface="Ebrima"/>
+        <a:font script="Phag" typeface="Phagspa"/>
+        <a:font script="Syrn" typeface="Estrangelo Edessa"/>
+        <a:font script="Syrj" typeface="Estrangelo Edessa"/>
+        <a:font script="Syre" typeface="Estrangelo Edessa"/>
+        <a:font script="Sora" typeface="Nirmala UI"/>
+        <a:font script="Tale" typeface="Microsoft Tai Le"/>
+        <a:font script="Talu" typeface="Microsoft New Tai Lue"/>
+        <a:font script="Tfng" typeface="Ebrima"/>
+      </a:minorFont>
+    </a:fontScheme>
+    <a:fmtScheme name="Office">
+      <a:fillStyleLst>
+        <a:solidFill>
+          <a:schemeClr val="phClr"/>
+        </a:solidFill>
+        <a:gradFill rotWithShape="1">
+          <a:gsLst>
+            <a:gs pos="0">
+              <a:schemeClr val="phClr">
+                <a:lumMod val="110000"/>
+                <a:satMod val="105000"/>
+                <a:tint val="67000"/>
+              </a:schemeClr>
+            </a:gs>
+            <a:gs pos="50000">
+              <a:schemeClr val="phClr">
+                <a:lumMod val="105000"/>
+                <a:satMod val="103000"/>
+                <a:tint val="73000"/>
+              </a:schemeClr>
+            </a:gs>
+            <a:gs pos="100000">
+              <a:schemeClr val="phClr">
+                <a:lumMod val="105000"/>
+                <a:satMod val="109000"/>
+                <a:tint val="81000"/>
+              </a:schemeClr>
+            </a:gs>
+          </a:gsLst>
+          <a:lin ang="5400000" scaled="0"/>
+        </a:gradFill>
+        <a:gradFill rotWithShape="1">
+          <a:gsLst>
+            <a:gs pos="0">
+              <a:schemeClr val="phClr">
+                <a:satMod val="103000"/>
+                <a:lumMod val="102000"/>
+                <a:tint val="94000"/>
+              </a:schemeClr>
+            </a:gs>
+            <a:gs pos="50000">
+              <a:schemeClr val="phClr">
+                <a:satMod val="110000"/>
+                <a:lumMod val="100000"/>
+                <a:shade val="100000"/>
+              </a:schemeClr>
+            </a:gs>
+            <a:gs pos="100000">
+              <a:schemeClr val="phClr">
+                <a:lumMod val="99000"/>
+                <a:satMod val="120000"/>
+                <a:shade val="78000"/>
+              </a:schemeClr>
+            </a:gs>
+          </a:gsLst>
+          <a:lin ang="5400000" scaled="0"/>
+        </a:gradFill>
+      </a:fillStyleLst>
+      <a:lnStyleLst>
+        <a:ln w="12700" cap="flat" cmpd="sng" algn="ctr">
+          <a:solidFill>
+            <a:schemeClr val="phClr"/>
+          </a:solidFill>
+          <a:prstDash val="solid"/>
+          <a:miter lim="800000"/>
+        </a:ln>
+        <a:ln w="19050" cap="flat" cmpd="sng" algn="ctr">
+          <a:solidFill>
+            <a:schemeClr val="phClr"/>
+          </a:solidFill>
+          <a:prstDash val="solid"/>
+          <a:miter lim="800000"/>
+        </a:ln>
+        <a:ln w="25400" cap="flat" cmpd="sng" algn="ctr">
+          <a:solidFill>
+            <a:schemeClr val="phClr"/>
+          </a:solidFill>
+          <a:prstDash val="solid"/>
+          <a:miter lim="800000"/>
+        </a:ln>
+      </a:lnStyleLst>
+      <a:effectStyleLst>
+        <a:effectStyle>
+          <a:effectLst/>
+        </a:effectStyle>
+        <a:effectStyle>
+          <a:effectLst/>
+        </a:effectStyle>
+        <a:effectStyle>
+          <a:effectLst>
+            <a:outerShdw blurRad="57150" dist="19050" dir="5400000" algn="ctr" rotWithShape="0">
+              <a:srgbClr val="000000">
+                <a:alpha val="63000"/>
+              </a:srgbClr>
+            </a:outerShdw>
+          </a:effectLst>
+        </a:effectStyle>
+      </a:effectStyleLst>
+      <a:bgFillStyleLst>
+        <a:solidFill>
+          <a:schemeClr val="phClr"/>
+        </a:solidFill>
+        <a:solidFill>
+          <a:schemeClr val="phClr">
+            <a:tint val="95000"/>
+            <a:satMod val="170000"/>
+          </a:schemeClr>
+        </a:solidFill>
+        <a:gradFill rotWithShape="1">
+          <a:gsLst>
+            <a:gs pos="0">
+              <a:schemeClr val="phClr">
+                <a:tint val="93000"/>
+                <a:satMod val="150000"/>
+                <a:shade val="98000"/>
+                <a:lumMod val="102000"/>
+              </a:schemeClr>
+            </a:gs>
+            <a:gs pos="50000">
+              <a:schemeClr val="phClr">
+                <a:tint val="98000"/>
+                <a:satMod val="130000"/>
+                <a:shade val="90000"/>
+                <a:lumMod val="103000"/>
+              </a:schemeClr>
+            </a:gs>
+            <a:gs pos="100000">
+              <a:schemeClr val="phClr">
+                <a:shade val="63000"/>
+                <a:satMod val="120000"/>
+              </a:schemeClr>
+            </a:gs>
+          </a:gsLst>
+          <a:lin ang="5400000" scaled="0"/>
+        </a:gradFill>
+      </a:bgFillStyleLst>
+    </a:fmtScheme>
+  </a:themeElements>
+  <a:objectDefaults>
+    <a:lnDef>
+      <a:spPr/>
+      <a:bodyPr/>
+      <a:lstStyle/>
+      <a:style>
+        <a:lnRef idx="2">
+          <a:schemeClr val="accent1"/>
+        </a:lnRef>
+        <a:fillRef idx="0">
+          <a:schemeClr val="accent1"/>
+        </a:fillRef>
+        <a:effectRef idx="1">
+          <a:schemeClr val="accent1"/>
+        </a:effectRef>
+        <a:fontRef idx="minor">
+          <a:schemeClr val="tx1"/>
+        </a:fontRef>
+      </a:style>
+    </a:lnDef>
+  </a:objectDefaults>
+  <a:extraClrSchemeLst/>
+  <a:extLst>
+    <a:ext uri="{05A4C25C-085E-4340-85A3-A5531E510DB2}">
+      <thm15:themeFamily xmlns:thm15="http://schemas.microsoft.com/office/thememl/2012/main" name="Office Theme" id="{2E142A2C-CD16-42D6-873A-C26D2A0506FA}" vid="{1BDDFF52-6CD6-40A5-AB3C-68EB2F1E4D0A}"/>
+    </a:ext>
+  </a:extLst>
+</a:theme>
 </file>
--- a/ResQPal.pptx
+++ b/ResQPal.pptx
@@ -8971,7 +8971,7 @@
           <a:p>
             <a:fld id="{5B6E5515-95EC-472D-9C2F-79A8A91C6AA5}" type="datetimeFigureOut">
               <a:rPr lang="he-IL" smtClean="0"/>
-              <a:t>ט'/סיון/תשפ"ה</a:t>
+              <a:t>י"ב/סיון/תשפ"ה</a:t>
             </a:fld>
             <a:endParaRPr lang="he-IL"/>
           </a:p>
@@ -9567,7 +9567,28 @@
           <a:p>
             <a:r>
               <a:rPr lang="he-IL" dirty="0"/>
-              <a:t>"הילד נפל, קיבל מכה חזקה בראש ועכשיו הוא מקיא ולא מגיב"</a:t>
+              <a:t>"הילד נפל, קיבל מכה חזקה בראש ועכשיו הוא מקיא ולא </a:t>
+            </a:r>
+            <a:r>
+              <a:rPr lang="he-IL"/>
+              <a:t>מגיב"</a:t>
+            </a:r>
+          </a:p>
+          <a:p>
+            <a:endParaRPr lang="he-IL" dirty="0"/>
+          </a:p>
+          <a:p>
+            <a:r>
+              <a:rPr lang="he-IL" dirty="0"/>
+              <a:t>רשתות עצביות עם אי-ליניאריות מסוגלות ללמוד ולייצג קשרים </a:t>
+            </a:r>
+            <a:r>
+              <a:rPr lang="he-IL" b="1" dirty="0"/>
+              <a:t>מורכבים ולא ליניאריים</a:t>
+            </a:r>
+            <a:r>
+              <a:rPr lang="he-IL" dirty="0"/>
+              <a:t> בין קלטים לפלטים. </a:t>
             </a:r>
           </a:p>
           <a:p>
@@ -9597,6 +9618,16 @@
             <a:r>
               <a:rPr lang="he-IL" dirty="0"/>
               <a:t> שראה עד עכשיו.</a:t>
+            </a:r>
+          </a:p>
+          <a:p>
+            <a:r>
+              <a:rPr lang="he-IL" dirty="0" err="1"/>
+              <a:t>גרדיאנט</a:t>
+            </a:r>
+            <a:r>
+              <a:rPr lang="he-IL" dirty="0"/>
+              <a:t> נעלם</a:t>
             </a:r>
           </a:p>
           <a:p>
@@ -9989,7 +10020,7 @@
           <a:p>
             <a:fld id="{774A27FE-EA11-4EDB-8F1F-B62C19952F4C}" type="datetimeFigureOut">
               <a:rPr lang="he-IL" smtClean="0"/>
-              <a:t>ט'/סיון/תשפ"ה</a:t>
+              <a:t>י"ב/סיון/תשפ"ה</a:t>
             </a:fld>
             <a:endParaRPr lang="he-IL"/>
           </a:p>
@@ -10187,7 +10218,7 @@
           <a:p>
             <a:fld id="{774A27FE-EA11-4EDB-8F1F-B62C19952F4C}" type="datetimeFigureOut">
               <a:rPr lang="he-IL" smtClean="0"/>
-              <a:t>ט'/סיון/תשפ"ה</a:t>
+              <a:t>י"ב/סיון/תשפ"ה</a:t>
             </a:fld>
             <a:endParaRPr lang="he-IL"/>
           </a:p>
@@ -10395,7 +10426,7 @@
           <a:p>
             <a:fld id="{774A27FE-EA11-4EDB-8F1F-B62C19952F4C}" type="datetimeFigureOut">
               <a:rPr lang="he-IL" smtClean="0"/>
-              <a:t>ט'/סיון/תשפ"ה</a:t>
+              <a:t>י"ב/סיון/תשפ"ה</a:t>
             </a:fld>
             <a:endParaRPr lang="he-IL"/>
           </a:p>
@@ -10593,7 +10624,7 @@
           <a:p>
             <a:fld id="{774A27FE-EA11-4EDB-8F1F-B62C19952F4C}" type="datetimeFigureOut">
               <a:rPr lang="he-IL" smtClean="0"/>
-              <a:t>ט'/סיון/תשפ"ה</a:t>
+              <a:t>י"ב/סיון/תשפ"ה</a:t>
             </a:fld>
             <a:endParaRPr lang="he-IL"/>
           </a:p>
@@ -10868,7 +10899,7 @@
           <a:p>
             <a:fld id="{774A27FE-EA11-4EDB-8F1F-B62C19952F4C}" type="datetimeFigureOut">
               <a:rPr lang="he-IL" smtClean="0"/>
-              <a:t>ט'/סיון/תשפ"ה</a:t>
+              <a:t>י"ב/סיון/תשפ"ה</a:t>
             </a:fld>
             <a:endParaRPr lang="he-IL"/>
           </a:p>
@@ -11133,7 +11164,7 @@
           <a:p>
             <a:fld id="{774A27FE-EA11-4EDB-8F1F-B62C19952F4C}" type="datetimeFigureOut">
               <a:rPr lang="he-IL" smtClean="0"/>
-              <a:t>ט'/סיון/תשפ"ה</a:t>
+              <a:t>י"ב/סיון/תשפ"ה</a:t>
             </a:fld>
             <a:endParaRPr lang="he-IL"/>
           </a:p>
@@ -11545,7 +11576,7 @@
           <a:p>
             <a:fld id="{774A27FE-EA11-4EDB-8F1F-B62C19952F4C}" type="datetimeFigureOut">
               <a:rPr lang="he-IL" smtClean="0"/>
-              <a:t>ט'/סיון/תשפ"ה</a:t>
+              <a:t>י"ב/סיון/תשפ"ה</a:t>
             </a:fld>
             <a:endParaRPr lang="he-IL"/>
           </a:p>
@@ -11686,7 +11717,7 @@
           <a:p>
             <a:fld id="{774A27FE-EA11-4EDB-8F1F-B62C19952F4C}" type="datetimeFigureOut">
               <a:rPr lang="he-IL" smtClean="0"/>
-              <a:t>ט'/סיון/תשפ"ה</a:t>
+              <a:t>י"ב/סיון/תשפ"ה</a:t>
             </a:fld>
             <a:endParaRPr lang="he-IL"/>
           </a:p>
@@ -11799,7 +11830,7 @@
           <a:p>
             <a:fld id="{774A27FE-EA11-4EDB-8F1F-B62C19952F4C}" type="datetimeFigureOut">
               <a:rPr lang="he-IL" smtClean="0"/>
-              <a:t>ט'/סיון/תשפ"ה</a:t>
+              <a:t>י"ב/סיון/תשפ"ה</a:t>
             </a:fld>
             <a:endParaRPr lang="he-IL"/>
           </a:p>
@@ -12110,7 +12141,7 @@
           <a:p>
             <a:fld id="{774A27FE-EA11-4EDB-8F1F-B62C19952F4C}" type="datetimeFigureOut">
               <a:rPr lang="he-IL" smtClean="0"/>
-              <a:t>ט'/סיון/תשפ"ה</a:t>
+              <a:t>י"ב/סיון/תשפ"ה</a:t>
             </a:fld>
             <a:endParaRPr lang="he-IL"/>
           </a:p>
@@ -12398,7 +12429,7 @@
           <a:p>
             <a:fld id="{774A27FE-EA11-4EDB-8F1F-B62C19952F4C}" type="datetimeFigureOut">
               <a:rPr lang="he-IL" smtClean="0"/>
-              <a:t>ט'/סיון/תשפ"ה</a:t>
+              <a:t>י"ב/סיון/תשפ"ה</a:t>
             </a:fld>
             <a:endParaRPr lang="he-IL"/>
           </a:p>
@@ -12639,7 +12670,7 @@
           <a:p>
             <a:fld id="{774A27FE-EA11-4EDB-8F1F-B62C19952F4C}" type="datetimeFigureOut">
               <a:rPr lang="he-IL" smtClean="0"/>
-              <a:t>ט'/סיון/תשפ"ה</a:t>
+              <a:t>י"ב/סיון/תשפ"ה</a:t>
             </a:fld>
             <a:endParaRPr lang="he-IL"/>
           </a:p>
@@ -13926,8 +13957,47 @@
         </p:blipFill>
         <p:spPr>
           <a:xfrm>
-            <a:off x="1018592" y="1027906"/>
-            <a:ext cx="5077408" cy="4633230"/>
+            <a:off x="675725" y="490645"/>
+            <a:ext cx="3056425" cy="2789045"/>
+          </a:xfrm>
+          <a:prstGeom prst="rect">
+            <a:avLst/>
+          </a:prstGeom>
+        </p:spPr>
+      </p:pic>
+      <p:pic>
+        <p:nvPicPr>
+          <p:cNvPr id="5" name="תמונה 4">
+            <a:extLst>
+              <a:ext uri="{FF2B5EF4-FFF2-40B4-BE49-F238E27FC236}">
+                <a16:creationId xmlns:a16="http://schemas.microsoft.com/office/drawing/2014/main" id="{9100DAA5-8F18-D61B-47D9-D3A982EB79F1}"/>
+              </a:ext>
+            </a:extLst>
+          </p:cNvPr>
+          <p:cNvPicPr>
+            <a:picLocks noChangeAspect="1"/>
+          </p:cNvPicPr>
+          <p:nvPr/>
+        </p:nvPicPr>
+        <p:blipFill>
+          <a:blip r:embed="rId4">
+            <a:duotone>
+              <a:schemeClr val="accent4">
+                <a:shade val="45000"/>
+                <a:satMod val="135000"/>
+              </a:schemeClr>
+              <a:prstClr val="white"/>
+            </a:duotone>
+          </a:blip>
+          <a:srcRect l="8185" t="7601" r="11884" b="3546"/>
+          <a:stretch>
+            <a:fillRect/>
+          </a:stretch>
+        </p:blipFill>
+        <p:spPr>
+          <a:xfrm>
+            <a:off x="4366882" y="2868460"/>
+            <a:ext cx="6731180" cy="3419606"/>
           </a:xfrm>
           <a:prstGeom prst="rect">
             <a:avLst/>

--- a/ResQPal.pptx
+++ b/ResQPal.pptx
@@ -8971,7 +8971,7 @@
           <a:p>
             <a:fld id="{5B6E5515-95EC-472D-9C2F-79A8A91C6AA5}" type="datetimeFigureOut">
               <a:rPr lang="he-IL" smtClean="0"/>
-              <a:t>י"ב/סיון/תשפ"ה</a:t>
+              <a:t>י"ד/סיון/תשפ"ה</a:t>
             </a:fld>
             <a:endParaRPr lang="he-IL"/>
           </a:p>
@@ -9283,6 +9283,19 @@
           <a:lstStyle/>
           <a:p>
             <a:r>
+              <a:rPr lang="he-IL" dirty="0" err="1"/>
+              <a:t>סוביקטיבי</a:t>
+            </a:r>
+            <a:r>
+              <a:rPr lang="he-IL" dirty="0"/>
+              <a:t> מתוך המילים להבין מילת מפתח. הבנת הכוונה</a:t>
+            </a:r>
+          </a:p>
+          <a:p>
+            <a:endParaRPr lang="he-IL" dirty="0"/>
+          </a:p>
+          <a:p>
+            <a:r>
               <a:rPr lang="he-IL" dirty="0"/>
               <a:t>טקסט 1:</a:t>
             </a:r>
@@ -9309,12 +9322,18 @@
             </a:r>
           </a:p>
           <a:p>
+            <a:r>
+              <a:rPr lang="he-IL" dirty="0"/>
+              <a:t>ככה המח מגיב</a:t>
+            </a:r>
+          </a:p>
+          <a:p>
             <a:endParaRPr lang="he-IL" dirty="0"/>
           </a:p>
           <a:p>
             <a:r>
               <a:rPr lang="he-IL" dirty="0"/>
-              <a:t>לא מתאים כי זה לשפה חופשית. אחרת זה לא פותר אך בעיה</a:t>
+              <a:t>לא מתאים כי זה לשפה חופשית. לא לרופאים. אחרת זה לא פותר אך בעיה</a:t>
             </a:r>
           </a:p>
         </p:txBody>
@@ -9399,54 +9418,6 @@
           <a:bodyPr/>
           <a:lstStyle/>
           <a:p>
-            <a:r>
-              <a:rPr lang="en-US" dirty="0"/>
-              <a:t>TF IDF</a:t>
-            </a:r>
-            <a:r>
-              <a:rPr lang="he-IL" dirty="0"/>
-              <a:t> שכלול ל </a:t>
-            </a:r>
-            <a:r>
-              <a:rPr lang="en-US" dirty="0" err="1"/>
-              <a:t>BoW</a:t>
-            </a:r>
-            <a:r>
-              <a:rPr lang="he-IL" dirty="0"/>
-              <a:t>. </a:t>
-            </a:r>
-            <a:r>
-              <a:rPr lang="he-IL" dirty="0" err="1"/>
-              <a:t>מסויף</a:t>
-            </a:r>
-            <a:r>
-              <a:rPr lang="he-IL" dirty="0"/>
-              <a:t> שכבת חשיבות שמתבססת על שכיחות, כמה המילה נדירה</a:t>
-            </a:r>
-          </a:p>
-          <a:p>
-            <a:pPr marL="0" indent="0">
-              <a:buNone/>
-            </a:pPr>
-            <a:endParaRPr lang="he-IL" b="0" dirty="0"/>
-          </a:p>
-          <a:p>
-            <a:pPr marL="0" indent="0">
-              <a:buNone/>
-            </a:pPr>
-            <a:r>
-              <a:rPr lang="he-IL" b="1" dirty="0"/>
-              <a:t>1. "הוא בהכרה, לא מתלונן על כאבים."</a:t>
-            </a:r>
-            <a:br>
-              <a:rPr lang="he-IL" dirty="0"/>
-            </a:br>
-            <a:r>
-              <a:rPr lang="he-IL" b="1" dirty="0"/>
-              <a:t>2. "הוא לא בהכרה, מתלונן על כאבים."</a:t>
-            </a:r>
-          </a:p>
-          <a:p>
             <a:pPr marL="0" indent="0">
               <a:buNone/>
             </a:pPr>
@@ -9454,9 +9425,51 @@
           </a:p>
           <a:p>
             <a:r>
+              <a:rPr lang="en-US" b="1" dirty="0" err="1"/>
+              <a:t>BoW</a:t>
+            </a:r>
+            <a:r>
+              <a:rPr lang="en-US" b="1" dirty="0"/>
+              <a:t>:</a:t>
+            </a:r>
+            <a:r>
+              <a:rPr lang="en-US" dirty="0"/>
+              <a:t> </a:t>
+            </a:r>
+            <a:r>
               <a:rPr lang="he-IL" dirty="0"/>
-              <a:t>"מרגיש לא" ו"לא מרגיש" ייתנו כמעט את אותו וקטור, כי המילים עצמן קיימות. </a:t>
-            </a:r>
+              <a:t>אם המילה "כוויות" מופיעה 10 פעמים במסמך על כוויות, והמילה "ו-" מופיעה 10 פעמים גם היא, שתיהן יקבלו את אותו ציון. </a:t>
+            </a:r>
+            <a:r>
+              <a:rPr lang="en-US" b="1" dirty="0"/>
+              <a:t>TF-IDF:</a:t>
+            </a:r>
+            <a:r>
+              <a:rPr lang="en-US" dirty="0"/>
+              <a:t> </a:t>
+            </a:r>
+            <a:r>
+              <a:rPr lang="he-IL" dirty="0"/>
+              <a:t>המילה "כוויות" תקבל ציון </a:t>
+            </a:r>
+            <a:r>
+              <a:rPr lang="en-US" dirty="0"/>
+              <a:t>TF-IDF </a:t>
+            </a:r>
+            <a:r>
+              <a:rPr lang="he-IL" dirty="0"/>
+              <a:t>גבוה (כי היא ספציפית לנושא), בעוד המילה "ו-" תקבל ציון </a:t>
+            </a:r>
+            <a:r>
+              <a:rPr lang="en-US" dirty="0"/>
+              <a:t>TF-IDF </a:t>
+            </a:r>
+            <a:r>
+              <a:rPr lang="he-IL" dirty="0"/>
+              <a:t>נמוך מאוד (כי היא מופיעה כמעט בכל מסמך ולא ייחודית).</a:t>
+            </a:r>
+          </a:p>
+          <a:p>
             <a:r>
               <a:rPr lang="he-IL" b="1" dirty="0"/>
               <a:t>הוא לא יבין את השלילה כשינוי מהותי:</a:t>
@@ -9471,6 +9484,16 @@
               <a:rPr lang="he-IL" dirty="0"/>
               <a:t>מתעלם מסדר, משמעות סמנטית וממשמעות השלילה</a:t>
             </a:r>
+          </a:p>
+          <a:p>
+            <a:r>
+              <a:rPr lang="he-IL" b="1" dirty="0"/>
+              <a:t>"לא טוב" = "טוב" + "לא".</a:t>
+            </a:r>
+            <a:r>
+              <a:rPr lang="he-IL" dirty="0"/>
+              <a:t> </a:t>
+            </a:r>
             <a:endParaRPr lang="he-IL" b="1" dirty="0"/>
           </a:p>
           <a:p>
@@ -9481,6 +9504,15 @@
               <a:rPr lang="he-IL" dirty="0" err="1"/>
               <a:t>אמבדינג</a:t>
             </a:r>
+            <a:endParaRPr lang="he-IL" dirty="0"/>
+          </a:p>
+          <a:p>
+            <a:r>
+              <a:rPr lang="he-IL" dirty="0"/>
+              <a:t>בעיית הקשרים</a:t>
+            </a:r>
+          </a:p>
+          <a:p>
             <a:endParaRPr lang="he-IL" dirty="0"/>
           </a:p>
         </p:txBody>
@@ -9567,11 +9599,35 @@
           <a:p>
             <a:r>
               <a:rPr lang="he-IL" dirty="0"/>
-              <a:t>"הילד נפל, קיבל מכה חזקה בראש ועכשיו הוא מקיא ולא </a:t>
+              <a:t>יש משימות שקלות לבני </a:t>
             </a:r>
             <a:r>
               <a:rPr lang="he-IL"/>
-              <a:t>מגיב"</a:t>
+              <a:t>אדם ולא למחשבים</a:t>
+            </a:r>
+          </a:p>
+          <a:p>
+            <a:r>
+              <a:rPr lang="he-IL" dirty="0"/>
+              <a:t>משפט קירוב אוניברסלי</a:t>
+            </a:r>
+          </a:p>
+          <a:p>
+            <a:r>
+              <a:rPr lang="he-IL" dirty="0"/>
+              <a:t>אי לינאריות</a:t>
+            </a:r>
+          </a:p>
+          <a:p>
+            <a:r>
+              <a:rPr lang="he-IL" dirty="0"/>
+              <a:t>לבדוק מה זה פותר הבדל בין לינארי </a:t>
+            </a:r>
+          </a:p>
+          <a:p>
+            <a:r>
+              <a:rPr lang="he-IL" dirty="0"/>
+              <a:t>"הילד נפל, קיבל מכה חזקה בראש ועכשיו הוא מקיא ולא מגיב"   להביא משפט אחר</a:t>
             </a:r>
           </a:p>
           <a:p>
@@ -9592,15 +9648,70 @@
             </a:r>
           </a:p>
           <a:p>
+            <a:r>
+              <a:rPr lang="he-IL" dirty="0"/>
+              <a:t>בין כל שכבה ליניארית (הסכום המשוקלל), מופעלת פונקציית הפעלה אי-ליניארית.</a:t>
+            </a:r>
+          </a:p>
+          <a:p>
             <a:endParaRPr lang="he-IL" dirty="0"/>
           </a:p>
           <a:p>
+            <a:r>
+              <a:rPr lang="he-IL" dirty="0"/>
+              <a:t>הנגזרת של </a:t>
+            </a:r>
+            <a:r>
+              <a:rPr lang="en-US" dirty="0"/>
+              <a:t>ReLU </a:t>
+            </a:r>
+            <a:r>
+              <a:rPr lang="he-IL" dirty="0"/>
+              <a:t>היא 1 עבור ערכים חיוביים. זה אומר </a:t>
+            </a:r>
+            <a:r>
+              <a:rPr lang="he-IL" dirty="0" err="1"/>
+              <a:t>שהגרדיאנטים</a:t>
+            </a:r>
+            <a:r>
+              <a:rPr lang="he-IL" dirty="0"/>
+              <a:t> "זורמים" דרך </a:t>
+            </a:r>
+            <a:r>
+              <a:rPr lang="he-IL" dirty="0" err="1"/>
+              <a:t>נוירוני</a:t>
+            </a:r>
             <a:r>
               <a:rPr lang="he-IL" dirty="0"/>
               <a:t> </a:t>
             </a:r>
             <a:r>
               <a:rPr lang="en-US" dirty="0"/>
+              <a:t>ReLU </a:t>
+            </a:r>
+            <a:r>
+              <a:rPr lang="he-IL" dirty="0"/>
+              <a:t>פעילים </a:t>
+            </a:r>
+            <a:r>
+              <a:rPr lang="he-IL" b="1" dirty="0"/>
+              <a:t>בלי להיחלש</a:t>
+            </a:r>
+            <a:r>
+              <a:rPr lang="he-IL" dirty="0"/>
+              <a:t>, ומאפשר למידה יעילה בכל השכבות, גם העמוקות.</a:t>
+            </a:r>
+          </a:p>
+          <a:p>
+            <a:endParaRPr lang="he-IL" dirty="0"/>
+          </a:p>
+          <a:p>
+            <a:r>
+              <a:rPr lang="he-IL" dirty="0"/>
+              <a:t> </a:t>
+            </a:r>
+            <a:r>
+              <a:rPr lang="en-US" dirty="0"/>
               <a:t>RNN </a:t>
             </a:r>
             <a:r>
@@ -9628,6 +9739,16 @@
             <a:r>
               <a:rPr lang="he-IL" dirty="0"/>
               <a:t> נעלם</a:t>
+            </a:r>
+          </a:p>
+          <a:p>
+            <a:r>
+              <a:rPr lang="he-IL" dirty="0" err="1"/>
+              <a:t>גרדיאנט</a:t>
+            </a:r>
+            <a:r>
+              <a:rPr lang="he-IL" dirty="0"/>
+              <a:t> שיפוע בנקודה</a:t>
             </a:r>
           </a:p>
           <a:p>
@@ -9864,6 +9985,304 @@
     <p:extLst>
       <p:ext uri="{BB962C8B-B14F-4D97-AF65-F5344CB8AC3E}">
         <p14:creationId xmlns:p14="http://schemas.microsoft.com/office/powerpoint/2010/main" val="2620023492"/>
+      </p:ext>
+    </p:extLst>
+  </p:cSld>
+  <p:clrMapOvr>
+    <a:masterClrMapping/>
+  </p:clrMapOvr>
+</p:notes>
+</file>
+
+<file path=ppt/notesSlides/notesSlide5.xml><?xml version="1.0" encoding="utf-8"?>
+<p:notes xmlns:a="http://schemas.openxmlformats.org/drawingml/2006/main" xmlns:r="http://schemas.openxmlformats.org/officeDocument/2006/relationships" xmlns:p="http://schemas.openxmlformats.org/presentationml/2006/main">
+  <p:cSld>
+    <p:spTree>
+      <p:nvGrpSpPr>
+        <p:cNvPr id="1" name=""/>
+        <p:cNvGrpSpPr/>
+        <p:nvPr/>
+      </p:nvGrpSpPr>
+      <p:grpSpPr>
+        <a:xfrm>
+          <a:off x="0" y="0"/>
+          <a:ext cx="0" cy="0"/>
+          <a:chOff x="0" y="0"/>
+          <a:chExt cx="0" cy="0"/>
+        </a:xfrm>
+      </p:grpSpPr>
+      <p:sp>
+        <p:nvSpPr>
+          <p:cNvPr id="2" name="מציין מיקום של תמונת שקופית 1"/>
+          <p:cNvSpPr>
+            <a:spLocks noGrp="1" noRot="1" noChangeAspect="1"/>
+          </p:cNvSpPr>
+          <p:nvPr>
+            <p:ph type="sldImg"/>
+          </p:nvPr>
+        </p:nvSpPr>
+        <p:spPr/>
+      </p:sp>
+      <p:sp>
+        <p:nvSpPr>
+          <p:cNvPr id="3" name="מציין מיקום של הערות 2"/>
+          <p:cNvSpPr>
+            <a:spLocks noGrp="1"/>
+          </p:cNvSpPr>
+          <p:nvPr>
+            <p:ph type="body" idx="1"/>
+          </p:nvPr>
+        </p:nvSpPr>
+        <p:spPr/>
+        <p:txBody>
+          <a:bodyPr/>
+          <a:lstStyle/>
+          <a:p>
+            <a:r>
+              <a:rPr lang="he-IL" dirty="0"/>
+              <a:t>למידת מאפיינים:</a:t>
+            </a:r>
+          </a:p>
+          <a:p>
+            <a:r>
+              <a:rPr lang="he-IL" dirty="0"/>
+              <a:t>מטריצה כפול 3</a:t>
+            </a:r>
+          </a:p>
+          <a:p>
+            <a:r>
+              <a:rPr lang="he-IL" dirty="0"/>
+              <a:t>פילטרים עבור תכונות הכפלה</a:t>
+            </a:r>
+          </a:p>
+          <a:p>
+            <a:r>
+              <a:rPr lang="he-IL" dirty="0"/>
+              <a:t>הפחתת ממדים ליעילות ושינויים במיקום</a:t>
+            </a:r>
+          </a:p>
+          <a:p>
+            <a:r>
+              <a:rPr lang="he-IL" dirty="0"/>
+              <a:t>בחירת </a:t>
+            </a:r>
+            <a:r>
+              <a:rPr lang="en-US" dirty="0"/>
+              <a:t>MAX POOLING</a:t>
+            </a:r>
+            <a:r>
+              <a:rPr lang="he-IL" dirty="0"/>
+              <a:t> </a:t>
+            </a:r>
+            <a:r>
+              <a:rPr lang="he-IL" dirty="0" err="1"/>
+              <a:t>מהמפת</a:t>
+            </a:r>
+            <a:r>
+              <a:rPr lang="he-IL" dirty="0"/>
+              <a:t> מאפיינים</a:t>
+            </a:r>
+          </a:p>
+          <a:p>
+            <a:endParaRPr lang="he-IL" dirty="0"/>
+          </a:p>
+          <a:p>
+            <a:r>
+              <a:rPr lang="en-US" b="1" dirty="0"/>
+              <a:t>ReLU:</a:t>
+            </a:r>
+            <a:r>
+              <a:rPr lang="en-US" dirty="0"/>
+              <a:t> </a:t>
+            </a:r>
+            <a:r>
+              <a:rPr lang="he-IL" dirty="0"/>
+              <a:t>מיד לאחר פעולת </a:t>
+            </a:r>
+            <a:r>
+              <a:rPr lang="he-IL" dirty="0" err="1"/>
+              <a:t>הקונבולוציה</a:t>
+            </a:r>
+            <a:r>
+              <a:rPr lang="he-IL" dirty="0"/>
+              <a:t>, מופעלת פונקציית </a:t>
+            </a:r>
+            <a:r>
+              <a:rPr lang="en-US" dirty="0"/>
+              <a:t>ReLU (</a:t>
+            </a:r>
+            <a:r>
+              <a:rPr lang="he-IL" dirty="0"/>
+              <a:t>או פונקציית הפעלה אי-ליניארית אחרת) על כל ערך במפות המאפיינים שנוצרו. </a:t>
+            </a:r>
+            <a:r>
+              <a:rPr lang="he-IL" b="1" dirty="0"/>
+              <a:t>בדוגמת הכוויה:</a:t>
+            </a:r>
+            <a:r>
+              <a:rPr lang="he-IL" dirty="0"/>
+              <a:t> נניח שפילטר מסוים מזהה "אדמומיות בוהקת" ומפיק ערך גבוה באזורים כאלה, וערך נמוך (אולי שלילי) באזורים אחרים. כאשר </a:t>
+            </a:r>
+            <a:r>
+              <a:rPr lang="en-US" dirty="0"/>
+              <a:t>ReLU </a:t>
+            </a:r>
+            <a:r>
+              <a:rPr lang="he-IL" dirty="0"/>
+              <a:t>מופעלת, היא "תכבה" את האזורים עם הערכים השליליים (כי הם לא "אדמומיות בוהקת") ותשאיר את האזורים החיוביים.</a:t>
+            </a:r>
+          </a:p>
+          <a:p>
+            <a:r>
+              <a:rPr lang="he-IL" dirty="0"/>
+              <a:t>בכל שכבה, פונקציית הפעלה מאפשרת לרשת ללמוד דפוסים אי-ליניאריים. השכבות הראשונות לומדות מאפיינים ליניאריים פשוטים כמו קווים, אבל ברגע שמפעילים </a:t>
+            </a:r>
+            <a:r>
+              <a:rPr lang="en-US" dirty="0"/>
+              <a:t>ReLU, </a:t>
+            </a:r>
+            <a:r>
+              <a:rPr lang="he-IL" dirty="0"/>
+              <a:t>השכבה הבאה יכולה ללמוד שילובים לא-ליניאריים של הקווים האלה (לדוגמה, פינות, או צורות ספציפיות).</a:t>
+            </a:r>
+          </a:p>
+          <a:p>
+            <a:endParaRPr lang="he-IL" dirty="0"/>
+          </a:p>
+          <a:p>
+            <a:endParaRPr lang="he-IL" dirty="0"/>
+          </a:p>
+          <a:p>
+            <a:r>
+              <a:rPr lang="he-IL" dirty="0"/>
+              <a:t>סיווג:</a:t>
+            </a:r>
+          </a:p>
+          <a:p>
+            <a:r>
+              <a:rPr lang="he-IL" dirty="0"/>
+              <a:t>השטחה בשביל השכבה הבאה</a:t>
+            </a:r>
+          </a:p>
+          <a:p>
+            <a:r>
+              <a:rPr lang="en-US" dirty="0"/>
+              <a:t>FC</a:t>
+            </a:r>
+            <a:endParaRPr lang="he-IL" dirty="0"/>
+          </a:p>
+          <a:p>
+            <a:r>
+              <a:rPr lang="he-IL" dirty="0"/>
+              <a:t>אם יש נוירון בשכבת ה-</a:t>
+            </a:r>
+            <a:r>
+              <a:rPr lang="en-US" dirty="0"/>
+              <a:t>FC </a:t>
+            </a:r>
+            <a:r>
+              <a:rPr lang="he-IL" dirty="0"/>
+              <a:t>שאחראי לזהות "שלפוחיות" ונוירון אחר שאחראי לזהות "אדמומיות עזה", בשכבת ה-</a:t>
+            </a:r>
+            <a:r>
+              <a:rPr lang="en-US" dirty="0"/>
+              <a:t>FC </a:t>
+            </a:r>
+            <a:r>
+              <a:rPr lang="he-IL" dirty="0"/>
+              <a:t>הבאה יהיה נוירון שיקבל קלט משניהם וישלב את המידע כדי להחליט: "אם יש שלפוחיות </a:t>
+            </a:r>
+            <a:r>
+              <a:rPr lang="he-IL" i="1" dirty="0"/>
+              <a:t>וגם</a:t>
+            </a:r>
+            <a:r>
+              <a:rPr lang="he-IL" dirty="0"/>
+              <a:t> אדמומיות עזה, אז כנראה שזו כוויה מדרגה 2". המשקולות של החיבורים הללו יתחזקו בהתאם.</a:t>
+            </a:r>
+          </a:p>
+          <a:p>
+            <a:endParaRPr lang="he-IL" dirty="0"/>
+          </a:p>
+          <a:p>
+            <a:r>
+              <a:rPr lang="he-IL" dirty="0"/>
+              <a:t>פלט</a:t>
+            </a:r>
+          </a:p>
+          <a:p>
+            <a:r>
+              <a:rPr lang="he-IL" dirty="0" err="1"/>
+              <a:t>סיגמואיד</a:t>
+            </a:r>
+            <a:r>
+              <a:rPr lang="he-IL" dirty="0"/>
+              <a:t> לסיווג בינארי עבור כל דרגה</a:t>
+            </a:r>
+          </a:p>
+          <a:p>
+            <a:endParaRPr lang="he-IL" dirty="0"/>
+          </a:p>
+          <a:p>
+            <a:r>
+              <a:rPr lang="en-US" dirty="0"/>
+              <a:t>EfficientNet-B1</a:t>
+            </a:r>
+            <a:r>
+              <a:rPr lang="he-IL" dirty="0"/>
+              <a:t> חוסך למידת </a:t>
+            </a:r>
+            <a:r>
+              <a:rPr lang="he-IL" dirty="0" err="1"/>
+              <a:t>מאפינים</a:t>
+            </a:r>
+            <a:r>
+              <a:rPr lang="he-IL" dirty="0"/>
+              <a:t> בסיסים כמו קווים וצורות </a:t>
+            </a:r>
+          </a:p>
+          <a:p>
+            <a:r>
+              <a:rPr lang="en-US" dirty="0"/>
+              <a:t>Fine-tuning</a:t>
+            </a:r>
+            <a:r>
+              <a:rPr lang="he-IL" dirty="0"/>
+              <a:t> – כוונון עדין, מורידים את הפלט, מוסיפים שכבות צפופות ושכבת פלט אישית</a:t>
+            </a:r>
+          </a:p>
+          <a:p>
+            <a:endParaRPr lang="he-IL" dirty="0"/>
+          </a:p>
+        </p:txBody>
+      </p:sp>
+      <p:sp>
+        <p:nvSpPr>
+          <p:cNvPr id="4" name="מציין מיקום של מספר שקופית 3"/>
+          <p:cNvSpPr>
+            <a:spLocks noGrp="1"/>
+          </p:cNvSpPr>
+          <p:nvPr>
+            <p:ph type="sldNum" sz="quarter" idx="5"/>
+          </p:nvPr>
+        </p:nvSpPr>
+        <p:spPr/>
+        <p:txBody>
+          <a:bodyPr/>
+          <a:lstStyle/>
+          <a:p>
+            <a:fld id="{B82D04FC-5618-4B1F-BBAC-CE6D6D1A7AF8}" type="slidenum">
+              <a:rPr lang="he-IL" smtClean="0"/>
+              <a:t>7</a:t>
+            </a:fld>
+            <a:endParaRPr lang="he-IL"/>
+          </a:p>
+        </p:txBody>
+      </p:sp>
+    </p:spTree>
+    <p:extLst>
+      <p:ext uri="{BB962C8B-B14F-4D97-AF65-F5344CB8AC3E}">
+        <p14:creationId xmlns:p14="http://schemas.microsoft.com/office/powerpoint/2010/main" val="1525183185"/>
       </p:ext>
     </p:extLst>
   </p:cSld>
@@ -10020,7 +10439,7 @@
           <a:p>
             <a:fld id="{774A27FE-EA11-4EDB-8F1F-B62C19952F4C}" type="datetimeFigureOut">
               <a:rPr lang="he-IL" smtClean="0"/>
-              <a:t>י"ב/סיון/תשפ"ה</a:t>
+              <a:t>י"ד/סיון/תשפ"ה</a:t>
             </a:fld>
             <a:endParaRPr lang="he-IL"/>
           </a:p>
@@ -10218,7 +10637,7 @@
           <a:p>
             <a:fld id="{774A27FE-EA11-4EDB-8F1F-B62C19952F4C}" type="datetimeFigureOut">
               <a:rPr lang="he-IL" smtClean="0"/>
-              <a:t>י"ב/סיון/תשפ"ה</a:t>
+              <a:t>י"ד/סיון/תשפ"ה</a:t>
             </a:fld>
             <a:endParaRPr lang="he-IL"/>
           </a:p>
@@ -10426,7 +10845,7 @@
           <a:p>
             <a:fld id="{774A27FE-EA11-4EDB-8F1F-B62C19952F4C}" type="datetimeFigureOut">
               <a:rPr lang="he-IL" smtClean="0"/>
-              <a:t>י"ב/סיון/תשפ"ה</a:t>
+              <a:t>י"ד/סיון/תשפ"ה</a:t>
             </a:fld>
             <a:endParaRPr lang="he-IL"/>
           </a:p>
@@ -10624,7 +11043,7 @@
           <a:p>
             <a:fld id="{774A27FE-EA11-4EDB-8F1F-B62C19952F4C}" type="datetimeFigureOut">
               <a:rPr lang="he-IL" smtClean="0"/>
-              <a:t>י"ב/סיון/תשפ"ה</a:t>
+              <a:t>י"ד/סיון/תשפ"ה</a:t>
             </a:fld>
             <a:endParaRPr lang="he-IL"/>
           </a:p>
@@ -10899,7 +11318,7 @@
           <a:p>
             <a:fld id="{774A27FE-EA11-4EDB-8F1F-B62C19952F4C}" type="datetimeFigureOut">
               <a:rPr lang="he-IL" smtClean="0"/>
-              <a:t>י"ב/סיון/תשפ"ה</a:t>
+              <a:t>י"ד/סיון/תשפ"ה</a:t>
             </a:fld>
             <a:endParaRPr lang="he-IL"/>
           </a:p>
@@ -11164,7 +11583,7 @@
           <a:p>
             <a:fld id="{774A27FE-EA11-4EDB-8F1F-B62C19952F4C}" type="datetimeFigureOut">
               <a:rPr lang="he-IL" smtClean="0"/>
-              <a:t>י"ב/סיון/תשפ"ה</a:t>
+              <a:t>י"ד/סיון/תשפ"ה</a:t>
             </a:fld>
             <a:endParaRPr lang="he-IL"/>
           </a:p>
@@ -11576,7 +11995,7 @@
           <a:p>
             <a:fld id="{774A27FE-EA11-4EDB-8F1F-B62C19952F4C}" type="datetimeFigureOut">
               <a:rPr lang="he-IL" smtClean="0"/>
-              <a:t>י"ב/סיון/תשפ"ה</a:t>
+              <a:t>י"ד/סיון/תשפ"ה</a:t>
             </a:fld>
             <a:endParaRPr lang="he-IL"/>
           </a:p>
@@ -11717,7 +12136,7 @@
           <a:p>
             <a:fld id="{774A27FE-EA11-4EDB-8F1F-B62C19952F4C}" type="datetimeFigureOut">
               <a:rPr lang="he-IL" smtClean="0"/>
-              <a:t>י"ב/סיון/תשפ"ה</a:t>
+              <a:t>י"ד/סיון/תשפ"ה</a:t>
             </a:fld>
             <a:endParaRPr lang="he-IL"/>
           </a:p>
@@ -11830,7 +12249,7 @@
           <a:p>
             <a:fld id="{774A27FE-EA11-4EDB-8F1F-B62C19952F4C}" type="datetimeFigureOut">
               <a:rPr lang="he-IL" smtClean="0"/>
-              <a:t>י"ב/סיון/תשפ"ה</a:t>
+              <a:t>י"ד/סיון/תשפ"ה</a:t>
             </a:fld>
             <a:endParaRPr lang="he-IL"/>
           </a:p>
@@ -12141,7 +12560,7 @@
           <a:p>
             <a:fld id="{774A27FE-EA11-4EDB-8F1F-B62C19952F4C}" type="datetimeFigureOut">
               <a:rPr lang="he-IL" smtClean="0"/>
-              <a:t>י"ב/סיון/תשפ"ה</a:t>
+              <a:t>י"ד/סיון/תשפ"ה</a:t>
             </a:fld>
             <a:endParaRPr lang="he-IL"/>
           </a:p>
@@ -12429,7 +12848,7 @@
           <a:p>
             <a:fld id="{774A27FE-EA11-4EDB-8F1F-B62C19952F4C}" type="datetimeFigureOut">
               <a:rPr lang="he-IL" smtClean="0"/>
-              <a:t>י"ב/סיון/תשפ"ה</a:t>
+              <a:t>י"ד/סיון/תשפ"ה</a:t>
             </a:fld>
             <a:endParaRPr lang="he-IL"/>
           </a:p>
@@ -12670,7 +13089,7 @@
           <a:p>
             <a:fld id="{774A27FE-EA11-4EDB-8F1F-B62C19952F4C}" type="datetimeFigureOut">
               <a:rPr lang="he-IL" smtClean="0"/>
-              <a:t>י"ב/סיון/תשפ"ה</a:t>
+              <a:t>י"ד/סיון/תשפ"ה</a:t>
             </a:fld>
             <a:endParaRPr lang="he-IL"/>
           </a:p>
@@ -13697,11 +14116,75 @@
               </a:rPr>
               <a:t>XGBoost</a:t>
             </a:r>
+            <a:endParaRPr lang="he-IL" dirty="0">
+              <a:latin typeface="Calibri" panose="020F0502020204030204" pitchFamily="34" charset="0"/>
+              <a:ea typeface="Calibri" panose="020F0502020204030204" pitchFamily="34" charset="0"/>
+              <a:cs typeface="Calibri" panose="020F0502020204030204" pitchFamily="34" charset="0"/>
+            </a:endParaRPr>
+          </a:p>
+          <a:p>
+            <a:pPr marL="0" indent="0">
+              <a:buNone/>
+            </a:pPr>
             <a:endParaRPr lang="en-US" dirty="0">
               <a:latin typeface="Calibri" panose="020F0502020204030204" pitchFamily="34" charset="0"/>
               <a:ea typeface="Calibri" panose="020F0502020204030204" pitchFamily="34" charset="0"/>
               <a:cs typeface="Calibri" panose="020F0502020204030204" pitchFamily="34" charset="0"/>
             </a:endParaRPr>
+          </a:p>
+          <a:p>
+            <a:pPr lvl="1"/>
+            <a:r>
+              <a:rPr lang="en-US" dirty="0" err="1">
+                <a:latin typeface="Calibri" panose="020F0502020204030204" pitchFamily="34" charset="0"/>
+                <a:ea typeface="Calibri" panose="020F0502020204030204" pitchFamily="34" charset="0"/>
+                <a:cs typeface="Calibri" panose="020F0502020204030204" pitchFamily="34" charset="0"/>
+              </a:rPr>
+              <a:t>BoW</a:t>
+            </a:r>
+            <a:endParaRPr lang="he-IL" dirty="0">
+              <a:latin typeface="Calibri" panose="020F0502020204030204" pitchFamily="34" charset="0"/>
+              <a:ea typeface="Calibri" panose="020F0502020204030204" pitchFamily="34" charset="0"/>
+              <a:cs typeface="Calibri" panose="020F0502020204030204" pitchFamily="34" charset="0"/>
+            </a:endParaRPr>
+          </a:p>
+          <a:p>
+            <a:pPr lvl="1"/>
+            <a:endParaRPr lang="en-US" sz="1600" dirty="0">
+              <a:latin typeface="Calibri" panose="020F0502020204030204" pitchFamily="34" charset="0"/>
+              <a:ea typeface="Calibri" panose="020F0502020204030204" pitchFamily="34" charset="0"/>
+              <a:cs typeface="Calibri" panose="020F0502020204030204" pitchFamily="34" charset="0"/>
+            </a:endParaRPr>
+          </a:p>
+          <a:p>
+            <a:pPr lvl="1"/>
+            <a:r>
+              <a:rPr lang="en-US" dirty="0">
+                <a:latin typeface="Calibri" panose="020F0502020204030204" pitchFamily="34" charset="0"/>
+                <a:ea typeface="Calibri" panose="020F0502020204030204" pitchFamily="34" charset="0"/>
+                <a:cs typeface="Calibri" panose="020F0502020204030204" pitchFamily="34" charset="0"/>
+              </a:rPr>
+              <a:t>TF-IDF</a:t>
+            </a:r>
+          </a:p>
+          <a:p>
+            <a:pPr lvl="1"/>
+            <a:endParaRPr lang="en-US" sz="1600" dirty="0">
+              <a:latin typeface="Calibri" panose="020F0502020204030204" pitchFamily="34" charset="0"/>
+              <a:ea typeface="Calibri" panose="020F0502020204030204" pitchFamily="34" charset="0"/>
+              <a:cs typeface="Calibri" panose="020F0502020204030204" pitchFamily="34" charset="0"/>
+            </a:endParaRPr>
+          </a:p>
+          <a:p>
+            <a:pPr lvl="1"/>
+            <a:r>
+              <a:rPr lang="en-US" dirty="0">
+                <a:latin typeface="Calibri" panose="020F0502020204030204" pitchFamily="34" charset="0"/>
+                <a:ea typeface="Calibri" panose="020F0502020204030204" pitchFamily="34" charset="0"/>
+                <a:cs typeface="Calibri" panose="020F0502020204030204" pitchFamily="34" charset="0"/>
+              </a:rPr>
+              <a:t>Embedding</a:t>
+            </a:r>
           </a:p>
           <a:p>
             <a:endParaRPr lang="en-US" dirty="0">
@@ -14301,6 +14784,36 @@
           </a:p>
         </p:txBody>
       </p:sp>
+      <p:pic>
+        <p:nvPicPr>
+          <p:cNvPr id="5" name="תמונה 4">
+            <a:extLst>
+              <a:ext uri="{FF2B5EF4-FFF2-40B4-BE49-F238E27FC236}">
+                <a16:creationId xmlns:a16="http://schemas.microsoft.com/office/drawing/2014/main" id="{1860A778-C7F8-E2EC-04D7-2B9FC4B694E7}"/>
+              </a:ext>
+            </a:extLst>
+          </p:cNvPr>
+          <p:cNvPicPr>
+            <a:picLocks noChangeAspect="1"/>
+          </p:cNvPicPr>
+          <p:nvPr/>
+        </p:nvPicPr>
+        <p:blipFill>
+          <a:blip r:embed="rId3"/>
+          <a:stretch>
+            <a:fillRect/>
+          </a:stretch>
+        </p:blipFill>
+        <p:spPr>
+          <a:xfrm>
+            <a:off x="419100" y="2618080"/>
+            <a:ext cx="11353800" cy="3874795"/>
+          </a:xfrm>
+          <a:prstGeom prst="rect">
+            <a:avLst/>
+          </a:prstGeom>
+        </p:spPr>
+      </p:pic>
     </p:spTree>
     <p:extLst>
       <p:ext uri="{BB962C8B-B14F-4D97-AF65-F5344CB8AC3E}">

--- a/ResQPal.pptx
+++ b/ResQPal.pptx
@@ -3632,7 +3632,7 @@
   <dgm:whole/>
   <dgm:extLst>
     <a:ext uri="http://schemas.microsoft.com/office/drawing/2008/diagram">
-      <dsp:dataModelExt xmlns:dsp="http://schemas.microsoft.com/office/drawing/2008/diagram" relId="rId6" minVer="http://schemas.openxmlformats.org/drawingml/2006/diagram"/>
+      <dsp:dataModelExt xmlns:dsp="http://schemas.microsoft.com/office/drawing/2008/diagram" relId="rId7" minVer="http://schemas.openxmlformats.org/drawingml/2006/diagram"/>
     </a:ext>
   </dgm:extLst>
 </dgm:dataModel>
@@ -8971,7 +8971,7 @@
           <a:p>
             <a:fld id="{5B6E5515-95EC-472D-9C2F-79A8A91C6AA5}" type="datetimeFigureOut">
               <a:rPr lang="he-IL" smtClean="0"/>
-              <a:t>י"ד/סיון/תשפ"ה</a:t>
+              <a:t>ט"ו/סיון/תשפ"ה</a:t>
             </a:fld>
             <a:endParaRPr lang="he-IL"/>
           </a:p>
@@ -9438,7 +9438,13 @@
             </a:r>
             <a:r>
               <a:rPr lang="he-IL" dirty="0"/>
-              <a:t>אם המילה "כוויות" מופיעה 10 פעמים במסמך על כוויות, והמילה "ו-" מופיעה 10 פעמים גם היא, שתיהן יקבלו את אותו ציון. </a:t>
+              <a:t>אם המילה "כוויות" מופיעה 10 פעמים במסמך על כוויות, והמילה "ו-" מופיעה 10 פעמים גם היא, שתיהן יקבלו את אותו ציון.</a:t>
+            </a:r>
+          </a:p>
+          <a:p>
+            <a:r>
+              <a:rPr lang="he-IL" dirty="0"/>
+              <a:t> </a:t>
             </a:r>
             <a:r>
               <a:rPr lang="en-US" b="1" dirty="0"/>
@@ -9448,6 +9454,8 @@
               <a:rPr lang="en-US" dirty="0"/>
               <a:t> </a:t>
             </a:r>
+          </a:p>
+          <a:p>
             <a:r>
               <a:rPr lang="he-IL" dirty="0"/>
               <a:t>המילה "כוויות" תקבל ציון </a:t>
@@ -9599,11 +9607,7 @@
           <a:p>
             <a:r>
               <a:rPr lang="he-IL" dirty="0"/>
-              <a:t>יש משימות שקלות לבני </a:t>
-            </a:r>
-            <a:r>
-              <a:rPr lang="he-IL"/>
-              <a:t>אדם ולא למחשבים</a:t>
+              <a:t>יש משימות שקלות לבני אדם ולא למחשבים</a:t>
             </a:r>
           </a:p>
           <a:p>
@@ -9617,6 +9621,9 @@
               <a:rPr lang="he-IL" dirty="0"/>
               <a:t>אי לינאריות</a:t>
             </a:r>
+          </a:p>
+          <a:p>
+            <a:endParaRPr lang="he-IL" dirty="0"/>
           </a:p>
           <a:p>
             <a:r>
@@ -9879,12 +9886,29 @@
             <a:endParaRPr lang="he-IL" dirty="0"/>
           </a:p>
           <a:p>
-            <a:endParaRPr lang="he-IL" dirty="0"/>
-          </a:p>
-          <a:p>
             <a:r>
               <a:rPr lang="he-IL" dirty="0"/>
-              <a:t>שערים. ערכים בין 0 ל1. מתגים, </a:t>
+              <a:t>בכל צעד זמן – </a:t>
+            </a:r>
+            <a:r>
+              <a:rPr lang="en-US" dirty="0"/>
+              <a:t>t</a:t>
+            </a:r>
+            <a:r>
+              <a:rPr lang="he-IL" dirty="0"/>
+              <a:t>:</a:t>
+            </a:r>
+          </a:p>
+          <a:p>
+            <a:r>
+              <a:rPr lang="he-IL" dirty="0"/>
+              <a:t>  מקבל קלט נוכחי – ייצוג של מילה, זיכרון עבר – פלט אחרון של התא מצב נסתר, מצב תא קודם – זיכרון לטווח ארוך</a:t>
+            </a:r>
+          </a:p>
+          <a:p>
+            <a:r>
+              <a:rPr lang="he-IL" dirty="0"/>
+              <a:t>שער שכחה -  ערכים בין 0 ל1. מתגים, </a:t>
             </a:r>
             <a:r>
               <a:rPr lang="he-IL" b="1" dirty="0"/>
@@ -9892,7 +9916,62 @@
             </a:r>
             <a:r>
               <a:rPr lang="he-IL" dirty="0"/>
-              <a:t> לפעול. </a:t>
+              <a:t> לפעול.</a:t>
+            </a:r>
+          </a:p>
+          <a:p>
+            <a:r>
+              <a:rPr lang="he-IL" dirty="0"/>
+              <a:t> </a:t>
+            </a:r>
+          </a:p>
+          <a:p>
+            <a:r>
+              <a:rPr lang="he-IL" dirty="0"/>
+              <a:t>שער קלט ויחידת קלט – כמה ומה להוסיף, מוכפלים אחד בשני</a:t>
+            </a:r>
+          </a:p>
+          <a:p>
+            <a:r>
+              <a:rPr lang="he-IL" dirty="0"/>
+              <a:t>עדכון מצב התא – המידע מהשער שכחה כפול התא הקודם פלוס </a:t>
+            </a:r>
+            <a:r>
+              <a:rPr lang="he-IL" dirty="0" err="1"/>
+              <a:t>ההכפה</a:t>
+            </a:r>
+            <a:r>
+              <a:rPr lang="he-IL" dirty="0"/>
+              <a:t> של שער ויחידת קלט</a:t>
+            </a:r>
+          </a:p>
+          <a:p>
+            <a:endParaRPr lang="he-IL" dirty="0"/>
+          </a:p>
+          <a:p>
+            <a:r>
+              <a:rPr lang="he-IL" dirty="0"/>
+              <a:t>פלט נסתר חדש – שער פלט: מה מהתא – זיכרון לטווח ארוך להכניס לטווח קצר. מוכפל במצב התא המעודכן לאחר </a:t>
+            </a:r>
+            <a:r>
+              <a:rPr lang="he-IL" dirty="0" err="1"/>
+              <a:t>טאנגס</a:t>
+            </a:r>
+            <a:r>
+              <a:rPr lang="he-IL" dirty="0"/>
+              <a:t> היפרבולי</a:t>
+            </a:r>
+          </a:p>
+          <a:p>
+            <a:endParaRPr lang="he-IL" dirty="0"/>
+          </a:p>
+          <a:p>
+            <a:endParaRPr lang="he-IL" dirty="0"/>
+          </a:p>
+          <a:p>
+            <a:r>
+              <a:rPr lang="he-IL" dirty="0"/>
+              <a:t>שערים. </a:t>
             </a:r>
             <a:r>
               <a:rPr lang="he-IL" dirty="0" err="1"/>
@@ -9913,48 +9992,6 @@
           </a:p>
           <a:p>
             <a:endParaRPr lang="he-IL" dirty="0"/>
-          </a:p>
-          <a:p>
-            <a:r>
-              <a:rPr lang="he-IL" dirty="0"/>
-              <a:t>משלב את המידע מ</a:t>
-            </a:r>
-            <a:r>
-              <a:rPr lang="en-US" dirty="0"/>
-              <a:t>H</a:t>
-            </a:r>
-            <a:r>
-              <a:rPr lang="he-IL" dirty="0"/>
-              <a:t> ו</a:t>
-            </a:r>
-            <a:r>
-              <a:rPr lang="en-US" dirty="0"/>
-              <a:t>X</a:t>
-            </a:r>
-            <a:r>
-              <a:rPr lang="he-IL" dirty="0"/>
-              <a:t> ומעביר באקטיבציה</a:t>
-            </a:r>
-          </a:p>
-          <a:p>
-            <a:r>
-              <a:rPr lang="he-IL" dirty="0" err="1"/>
-              <a:t>סיגמואיד</a:t>
-            </a:r>
-            <a:endParaRPr lang="he-IL" dirty="0"/>
-          </a:p>
-          <a:p>
-            <a:endParaRPr lang="he-IL" dirty="0"/>
-          </a:p>
-          <a:p>
-            <a:r>
-              <a:rPr lang="en-US" dirty="0"/>
-              <a:t>C~</a:t>
-            </a:r>
-            <a:r>
-              <a:rPr lang="he-IL" dirty="0"/>
-              <a:t> יוצר וקטור של ערכים פוטנציאלים</a:t>
-            </a:r>
           </a:p>
         </p:txBody>
       </p:sp>
@@ -10283,6 +10320,107 @@
     <p:extLst>
       <p:ext uri="{BB962C8B-B14F-4D97-AF65-F5344CB8AC3E}">
         <p14:creationId xmlns:p14="http://schemas.microsoft.com/office/powerpoint/2010/main" val="1525183185"/>
+      </p:ext>
+    </p:extLst>
+  </p:cSld>
+  <p:clrMapOvr>
+    <a:masterClrMapping/>
+  </p:clrMapOvr>
+</p:notes>
+</file>
+
+<file path=ppt/notesSlides/notesSlide6.xml><?xml version="1.0" encoding="utf-8"?>
+<p:notes xmlns:a="http://schemas.openxmlformats.org/drawingml/2006/main" xmlns:r="http://schemas.openxmlformats.org/officeDocument/2006/relationships" xmlns:p="http://schemas.openxmlformats.org/presentationml/2006/main">
+  <p:cSld>
+    <p:spTree>
+      <p:nvGrpSpPr>
+        <p:cNvPr id="1" name=""/>
+        <p:cNvGrpSpPr/>
+        <p:nvPr/>
+      </p:nvGrpSpPr>
+      <p:grpSpPr>
+        <a:xfrm>
+          <a:off x="0" y="0"/>
+          <a:ext cx="0" cy="0"/>
+          <a:chOff x="0" y="0"/>
+          <a:chExt cx="0" cy="0"/>
+        </a:xfrm>
+      </p:grpSpPr>
+      <p:sp>
+        <p:nvSpPr>
+          <p:cNvPr id="2" name="מציין מיקום של תמונת שקופית 1"/>
+          <p:cNvSpPr>
+            <a:spLocks noGrp="1" noRot="1" noChangeAspect="1"/>
+          </p:cNvSpPr>
+          <p:nvPr>
+            <p:ph type="sldImg"/>
+          </p:nvPr>
+        </p:nvSpPr>
+        <p:spPr/>
+      </p:sp>
+      <p:sp>
+        <p:nvSpPr>
+          <p:cNvPr id="3" name="מציין מיקום של הערות 2"/>
+          <p:cNvSpPr>
+            <a:spLocks noGrp="1"/>
+          </p:cNvSpPr>
+          <p:nvPr>
+            <p:ph type="body" idx="1"/>
+          </p:nvPr>
+        </p:nvSpPr>
+        <p:spPr/>
+        <p:txBody>
+          <a:bodyPr/>
+          <a:lstStyle/>
+          <a:p>
+            <a:r>
+              <a:rPr lang="en-US" dirty="0"/>
+              <a:t>RESNET50</a:t>
+            </a:r>
+            <a:endParaRPr lang="he-IL" dirty="0"/>
+          </a:p>
+          <a:p>
+            <a:r>
+              <a:rPr lang="he-IL" dirty="0"/>
+              <a:t>"פירמידת מאפיינים". </a:t>
+            </a:r>
+            <a:r>
+              <a:rPr lang="he-IL"/>
+              <a:t>זה מאפשר למודל לזהות אובייקטים בגדלים שונים: מאפיינים רדודים (בעלי רזולוציה גבוהה) טובים לזיהוי אובייקטים קטנים, ומאפיינים עמוקים (בעלי רזולוציה נמוכה אך עשירים סמנטית) טובים לזיהוי אובייקטים גדולים.</a:t>
+            </a:r>
+          </a:p>
+          <a:p>
+            <a:endParaRPr lang="he-IL" dirty="0"/>
+          </a:p>
+        </p:txBody>
+      </p:sp>
+      <p:sp>
+        <p:nvSpPr>
+          <p:cNvPr id="4" name="מציין מיקום של מספר שקופית 3"/>
+          <p:cNvSpPr>
+            <a:spLocks noGrp="1"/>
+          </p:cNvSpPr>
+          <p:nvPr>
+            <p:ph type="sldNum" sz="quarter" idx="5"/>
+          </p:nvPr>
+        </p:nvSpPr>
+        <p:spPr/>
+        <p:txBody>
+          <a:bodyPr/>
+          <a:lstStyle/>
+          <a:p>
+            <a:fld id="{B82D04FC-5618-4B1F-BBAC-CE6D6D1A7AF8}" type="slidenum">
+              <a:rPr lang="he-IL" smtClean="0"/>
+              <a:t>8</a:t>
+            </a:fld>
+            <a:endParaRPr lang="he-IL"/>
+          </a:p>
+        </p:txBody>
+      </p:sp>
+    </p:spTree>
+    <p:extLst>
+      <p:ext uri="{BB962C8B-B14F-4D97-AF65-F5344CB8AC3E}">
+        <p14:creationId xmlns:p14="http://schemas.microsoft.com/office/powerpoint/2010/main" val="2575130043"/>
       </p:ext>
     </p:extLst>
   </p:cSld>
@@ -10439,7 +10577,7 @@
           <a:p>
             <a:fld id="{774A27FE-EA11-4EDB-8F1F-B62C19952F4C}" type="datetimeFigureOut">
               <a:rPr lang="he-IL" smtClean="0"/>
-              <a:t>י"ד/סיון/תשפ"ה</a:t>
+              <a:t>ט"ו/סיון/תשפ"ה</a:t>
             </a:fld>
             <a:endParaRPr lang="he-IL"/>
           </a:p>
@@ -10637,7 +10775,7 @@
           <a:p>
             <a:fld id="{774A27FE-EA11-4EDB-8F1F-B62C19952F4C}" type="datetimeFigureOut">
               <a:rPr lang="he-IL" smtClean="0"/>
-              <a:t>י"ד/סיון/תשפ"ה</a:t>
+              <a:t>ט"ו/סיון/תשפ"ה</a:t>
             </a:fld>
             <a:endParaRPr lang="he-IL"/>
           </a:p>
@@ -10845,7 +10983,7 @@
           <a:p>
             <a:fld id="{774A27FE-EA11-4EDB-8F1F-B62C19952F4C}" type="datetimeFigureOut">
               <a:rPr lang="he-IL" smtClean="0"/>
-              <a:t>י"ד/סיון/תשפ"ה</a:t>
+              <a:t>ט"ו/סיון/תשפ"ה</a:t>
             </a:fld>
             <a:endParaRPr lang="he-IL"/>
           </a:p>
@@ -11043,7 +11181,7 @@
           <a:p>
             <a:fld id="{774A27FE-EA11-4EDB-8F1F-B62C19952F4C}" type="datetimeFigureOut">
               <a:rPr lang="he-IL" smtClean="0"/>
-              <a:t>י"ד/סיון/תשפ"ה</a:t>
+              <a:t>ט"ו/סיון/תשפ"ה</a:t>
             </a:fld>
             <a:endParaRPr lang="he-IL"/>
           </a:p>
@@ -11318,7 +11456,7 @@
           <a:p>
             <a:fld id="{774A27FE-EA11-4EDB-8F1F-B62C19952F4C}" type="datetimeFigureOut">
               <a:rPr lang="he-IL" smtClean="0"/>
-              <a:t>י"ד/סיון/תשפ"ה</a:t>
+              <a:t>ט"ו/סיון/תשפ"ה</a:t>
             </a:fld>
             <a:endParaRPr lang="he-IL"/>
           </a:p>
@@ -11583,7 +11721,7 @@
           <a:p>
             <a:fld id="{774A27FE-EA11-4EDB-8F1F-B62C19952F4C}" type="datetimeFigureOut">
               <a:rPr lang="he-IL" smtClean="0"/>
-              <a:t>י"ד/סיון/תשפ"ה</a:t>
+              <a:t>ט"ו/סיון/תשפ"ה</a:t>
             </a:fld>
             <a:endParaRPr lang="he-IL"/>
           </a:p>
@@ -11995,7 +12133,7 @@
           <a:p>
             <a:fld id="{774A27FE-EA11-4EDB-8F1F-B62C19952F4C}" type="datetimeFigureOut">
               <a:rPr lang="he-IL" smtClean="0"/>
-              <a:t>י"ד/סיון/תשפ"ה</a:t>
+              <a:t>ט"ו/סיון/תשפ"ה</a:t>
             </a:fld>
             <a:endParaRPr lang="he-IL"/>
           </a:p>
@@ -12136,7 +12274,7 @@
           <a:p>
             <a:fld id="{774A27FE-EA11-4EDB-8F1F-B62C19952F4C}" type="datetimeFigureOut">
               <a:rPr lang="he-IL" smtClean="0"/>
-              <a:t>י"ד/סיון/תשפ"ה</a:t>
+              <a:t>ט"ו/סיון/תשפ"ה</a:t>
             </a:fld>
             <a:endParaRPr lang="he-IL"/>
           </a:p>
@@ -12249,7 +12387,7 @@
           <a:p>
             <a:fld id="{774A27FE-EA11-4EDB-8F1F-B62C19952F4C}" type="datetimeFigureOut">
               <a:rPr lang="he-IL" smtClean="0"/>
-              <a:t>י"ד/סיון/תשפ"ה</a:t>
+              <a:t>ט"ו/סיון/תשפ"ה</a:t>
             </a:fld>
             <a:endParaRPr lang="he-IL"/>
           </a:p>
@@ -12560,7 +12698,7 @@
           <a:p>
             <a:fld id="{774A27FE-EA11-4EDB-8F1F-B62C19952F4C}" type="datetimeFigureOut">
               <a:rPr lang="he-IL" smtClean="0"/>
-              <a:t>י"ד/סיון/תשפ"ה</a:t>
+              <a:t>ט"ו/סיון/תשפ"ה</a:t>
             </a:fld>
             <a:endParaRPr lang="he-IL"/>
           </a:p>
@@ -12848,7 +12986,7 @@
           <a:p>
             <a:fld id="{774A27FE-EA11-4EDB-8F1F-B62C19952F4C}" type="datetimeFigureOut">
               <a:rPr lang="he-IL" smtClean="0"/>
-              <a:t>י"ד/סיון/תשפ"ה</a:t>
+              <a:t>ט"ו/סיון/תשפ"ה</a:t>
             </a:fld>
             <a:endParaRPr lang="he-IL"/>
           </a:p>
@@ -13089,7 +13227,7 @@
           <a:p>
             <a:fld id="{774A27FE-EA11-4EDB-8F1F-B62C19952F4C}" type="datetimeFigureOut">
               <a:rPr lang="he-IL" smtClean="0"/>
-              <a:t>י"ד/סיון/תשפ"ה</a:t>
+              <a:t>ט"ו/סיון/תשפ"ה</a:t>
             </a:fld>
             <a:endParaRPr lang="he-IL"/>
           </a:p>
@@ -14742,7 +14880,7 @@
                 <a:ea typeface="Calibri" panose="020F0502020204030204" pitchFamily="34" charset="0"/>
                 <a:cs typeface="Calibri" panose="020F0502020204030204" pitchFamily="34" charset="0"/>
               </a:rPr>
-              <a:t>עיבוד תמונה</a:t>
+              <a:t>עיבוד תמונה - סיווג </a:t>
             </a:r>
           </a:p>
         </p:txBody>
@@ -14860,13 +14998,20 @@
             <p:ph type="title"/>
           </p:nvPr>
         </p:nvSpPr>
-        <p:spPr/>
+        <p:spPr>
+          <a:xfrm>
+            <a:off x="838200" y="1477353"/>
+            <a:ext cx="10515600" cy="983285"/>
+          </a:xfrm>
+        </p:spPr>
         <p:txBody>
-          <a:bodyPr/>
+          <a:bodyPr>
+            <a:normAutofit/>
+          </a:bodyPr>
           <a:lstStyle/>
           <a:p>
             <a:r>
-              <a:rPr lang="en-US" dirty="0">
+              <a:rPr lang="en-US" sz="3600" dirty="0">
                 <a:solidFill>
                   <a:schemeClr val="accent1"/>
                 </a:solidFill>
@@ -14876,7 +15021,7 @@
               </a:rPr>
               <a:t>Faster R-CNN</a:t>
             </a:r>
-            <a:endParaRPr lang="he-IL" dirty="0">
+            <a:endParaRPr lang="he-IL" sz="3600" dirty="0">
               <a:solidFill>
                 <a:schemeClr val="accent1"/>
               </a:solidFill>
@@ -14914,7 +15059,7 @@
         </p:xfrm>
         <a:graphic>
           <a:graphicData uri="http://schemas.openxmlformats.org/drawingml/2006/diagram">
-            <dgm:relIds xmlns:dgm="http://schemas.openxmlformats.org/drawingml/2006/diagram" xmlns:r="http://schemas.openxmlformats.org/officeDocument/2006/relationships" r:dm="rId2" r:lo="rId3" r:qs="rId4" r:cs="rId5"/>
+            <dgm:relIds xmlns:dgm="http://schemas.openxmlformats.org/drawingml/2006/diagram" xmlns:r="http://schemas.openxmlformats.org/officeDocument/2006/relationships" r:dm="rId3" r:lo="rId4" r:qs="rId5" r:cs="rId6"/>
           </a:graphicData>
         </a:graphic>
       </p:graphicFrame>
@@ -14932,7 +15077,7 @@
         </p:nvSpPr>
         <p:spPr>
           <a:xfrm>
-            <a:off x="3500284" y="2018678"/>
+            <a:off x="3500284" y="2802916"/>
             <a:ext cx="7853516" cy="2232855"/>
           </a:xfrm>
           <a:prstGeom prst="rect">
@@ -14959,7 +15104,7 @@
                 <a:ea typeface="Calibri" panose="020F0502020204030204" pitchFamily="34" charset="0"/>
                 <a:cs typeface="Calibri" panose="020F0502020204030204" pitchFamily="34" charset="0"/>
               </a:rPr>
-              <a:t>Backbone + FPN</a:t>
+              <a:t> Backbone +FPN</a:t>
             </a:r>
             <a:r>
               <a:rPr lang="he-IL" sz="3200" dirty="0">
@@ -14967,7 +15112,7 @@
                 <a:ea typeface="Calibri" panose="020F0502020204030204" pitchFamily="34" charset="0"/>
                 <a:cs typeface="Calibri" panose="020F0502020204030204" pitchFamily="34" charset="0"/>
               </a:rPr>
-              <a:t> – חילוץ תכונות רב </a:t>
+              <a:t>– חילוץ תכונות רב </a:t>
             </a:r>
             <a:r>
               <a:rPr lang="he-IL" sz="3200" dirty="0" err="1">
@@ -15033,6 +15178,75 @@
               <a:t> – ראש אזור עניין</a:t>
             </a:r>
             <a:endParaRPr lang="en-US" sz="3200" dirty="0">
+              <a:latin typeface="Calibri" panose="020F0502020204030204" pitchFamily="34" charset="0"/>
+              <a:ea typeface="Calibri" panose="020F0502020204030204" pitchFamily="34" charset="0"/>
+              <a:cs typeface="Calibri" panose="020F0502020204030204" pitchFamily="34" charset="0"/>
+            </a:endParaRPr>
+          </a:p>
+        </p:txBody>
+      </p:sp>
+      <p:sp>
+        <p:nvSpPr>
+          <p:cNvPr id="6" name="כותרת 1">
+            <a:extLst>
+              <a:ext uri="{FF2B5EF4-FFF2-40B4-BE49-F238E27FC236}">
+                <a16:creationId xmlns:a16="http://schemas.microsoft.com/office/drawing/2014/main" id="{73EC6EAA-B691-F1AE-B58A-25560A9B2537}"/>
+              </a:ext>
+            </a:extLst>
+          </p:cNvPr>
+          <p:cNvSpPr txBox="1">
+            <a:spLocks/>
+          </p:cNvSpPr>
+          <p:nvPr/>
+        </p:nvSpPr>
+        <p:spPr>
+          <a:xfrm>
+            <a:off x="838200" y="365125"/>
+            <a:ext cx="10515600" cy="1325563"/>
+          </a:xfrm>
+          <a:prstGeom prst="rect">
+            <a:avLst/>
+          </a:prstGeom>
+        </p:spPr>
+        <p:txBody>
+          <a:bodyPr vert="horz" lIns="91440" tIns="45720" rIns="91440" bIns="45720" rtlCol="1" anchor="ctr">
+            <a:normAutofit/>
+          </a:bodyPr>
+          <a:lstStyle>
+            <a:lvl1pPr algn="r" defTabSz="914400" rtl="1" eaLnBrk="1" latinLnBrk="0" hangingPunct="1">
+              <a:lnSpc>
+                <a:spcPct val="90000"/>
+              </a:lnSpc>
+              <a:spcBef>
+                <a:spcPct val="0"/>
+              </a:spcBef>
+              <a:buNone/>
+              <a:defRPr sz="4400" kern="1200">
+                <a:solidFill>
+                  <a:schemeClr val="tx1"/>
+                </a:solidFill>
+                <a:latin typeface="+mj-lt"/>
+                <a:ea typeface="+mj-ea"/>
+                <a:cs typeface="+mj-cs"/>
+              </a:defRPr>
+            </a:lvl1pPr>
+          </a:lstStyle>
+          <a:p>
+            <a:r>
+              <a:rPr lang="he-IL">
+                <a:solidFill>
+                  <a:schemeClr val="accent1"/>
+                </a:solidFill>
+                <a:latin typeface="Calibri" panose="020F0502020204030204" pitchFamily="34" charset="0"/>
+                <a:ea typeface="Calibri" panose="020F0502020204030204" pitchFamily="34" charset="0"/>
+                <a:cs typeface="Calibri" panose="020F0502020204030204" pitchFamily="34" charset="0"/>
+              </a:rPr>
+              <a:t>עיבוד תמונה - סיווג </a:t>
+            </a:r>
+            <a:endParaRPr lang="he-IL" dirty="0">
+              <a:solidFill>
+                <a:schemeClr val="accent1"/>
+              </a:solidFill>
               <a:latin typeface="Calibri" panose="020F0502020204030204" pitchFamily="34" charset="0"/>
               <a:ea typeface="Calibri" panose="020F0502020204030204" pitchFamily="34" charset="0"/>
               <a:cs typeface="Calibri" panose="020F0502020204030204" pitchFamily="34" charset="0"/>
